--- a/Дополнительные материалы/Виртуальная лабаратория.pptx
+++ b/Дополнительные материалы/Виртуальная лабаратория.pptx
@@ -738,7 +738,7 @@
           <a:p>
             <a:fld id="{57F9C0E8-C8F2-4EFF-ADCF-89632A27CD47}" type="datetimeFigureOut">
               <a:rPr lang="ru-RU" smtClean="0"/>
-              <a:t>11.01.2021</a:t>
+              <a:t>14.01.2021</a:t>
             </a:fld>
             <a:endParaRPr lang="ru-RU"/>
           </a:p>
@@ -934,7 +934,7 @@
           <a:p>
             <a:fld id="{57F9C0E8-C8F2-4EFF-ADCF-89632A27CD47}" type="datetimeFigureOut">
               <a:rPr lang="ru-RU" smtClean="0"/>
-              <a:t>11.01.2021</a:t>
+              <a:t>14.01.2021</a:t>
             </a:fld>
             <a:endParaRPr lang="ru-RU"/>
           </a:p>
@@ -1119,7 +1119,7 @@
           <a:p>
             <a:fld id="{57F9C0E8-C8F2-4EFF-ADCF-89632A27CD47}" type="datetimeFigureOut">
               <a:rPr lang="ru-RU" smtClean="0"/>
-              <a:t>11.01.2021</a:t>
+              <a:t>14.01.2021</a:t>
             </a:fld>
             <a:endParaRPr lang="ru-RU"/>
           </a:p>
@@ -1269,7 +1269,7 @@
           <a:p>
             <a:fld id="{57F9C0E8-C8F2-4EFF-ADCF-89632A27CD47}" type="datetimeFigureOut">
               <a:rPr lang="ru-RU" smtClean="0"/>
-              <a:t>11.01.2021</a:t>
+              <a:t>14.01.2021</a:t>
             </a:fld>
             <a:endParaRPr lang="ru-RU"/>
           </a:p>
@@ -1524,7 +1524,7 @@
           <a:p>
             <a:fld id="{57F9C0E8-C8F2-4EFF-ADCF-89632A27CD47}" type="datetimeFigureOut">
               <a:rPr lang="ru-RU" smtClean="0"/>
-              <a:t>11.01.2021</a:t>
+              <a:t>14.01.2021</a:t>
             </a:fld>
             <a:endParaRPr lang="ru-RU"/>
           </a:p>
@@ -1933,7 +1933,7 @@
           <a:p>
             <a:fld id="{57F9C0E8-C8F2-4EFF-ADCF-89632A27CD47}" type="datetimeFigureOut">
               <a:rPr lang="ru-RU" smtClean="0"/>
-              <a:t>11.01.2021</a:t>
+              <a:t>14.01.2021</a:t>
             </a:fld>
             <a:endParaRPr lang="ru-RU"/>
           </a:p>
@@ -2379,7 +2379,7 @@
           <a:p>
             <a:fld id="{57F9C0E8-C8F2-4EFF-ADCF-89632A27CD47}" type="datetimeFigureOut">
               <a:rPr lang="ru-RU" smtClean="0"/>
-              <a:t>11.01.2021</a:t>
+              <a:t>14.01.2021</a:t>
             </a:fld>
             <a:endParaRPr lang="ru-RU"/>
           </a:p>
@@ -2480,7 +2480,7 @@
           <a:p>
             <a:fld id="{57F9C0E8-C8F2-4EFF-ADCF-89632A27CD47}" type="datetimeFigureOut">
               <a:rPr lang="ru-RU" smtClean="0"/>
-              <a:t>11.01.2021</a:t>
+              <a:t>14.01.2021</a:t>
             </a:fld>
             <a:endParaRPr lang="ru-RU"/>
           </a:p>
@@ -2601,7 +2601,7 @@
           <a:p>
             <a:fld id="{57F9C0E8-C8F2-4EFF-ADCF-89632A27CD47}" type="datetimeFigureOut">
               <a:rPr lang="ru-RU" smtClean="0"/>
-              <a:t>11.01.2021</a:t>
+              <a:t>14.01.2021</a:t>
             </a:fld>
             <a:endParaRPr lang="ru-RU"/>
           </a:p>
@@ -2875,7 +2875,7 @@
           <a:p>
             <a:fld id="{57F9C0E8-C8F2-4EFF-ADCF-89632A27CD47}" type="datetimeFigureOut">
               <a:rPr lang="ru-RU" smtClean="0"/>
-              <a:t>11.01.2021</a:t>
+              <a:t>14.01.2021</a:t>
             </a:fld>
             <a:endParaRPr lang="ru-RU"/>
           </a:p>
@@ -3080,7 +3080,7 @@
           <a:p>
             <a:fld id="{57F9C0E8-C8F2-4EFF-ADCF-89632A27CD47}" type="datetimeFigureOut">
               <a:rPr lang="ru-RU" smtClean="0"/>
-              <a:t>11.01.2021</a:t>
+              <a:t>14.01.2021</a:t>
             </a:fld>
             <a:endParaRPr lang="ru-RU"/>
           </a:p>
@@ -4189,7 +4189,7 @@
           <a:p>
             <a:fld id="{57F9C0E8-C8F2-4EFF-ADCF-89632A27CD47}" type="datetimeFigureOut">
               <a:rPr lang="ru-RU" smtClean="0"/>
-              <a:t>11.01.2021</a:t>
+              <a:t>14.01.2021</a:t>
             </a:fld>
             <a:endParaRPr lang="ru-RU"/>
           </a:p>
@@ -4644,37 +4644,43 @@
           <a:lstStyle/>
           <a:p>
             <a:r>
-              <a:rPr lang="ru-RU" dirty="0" smtClean="0"/>
-              <a:t>Проект </a:t>
-            </a:r>
-            <a:r>
-              <a:rPr lang="ru-RU" dirty="0" smtClean="0"/>
-              <a:t>выполнил</a:t>
-            </a:r>
-            <a:r>
-              <a:rPr lang="ru-RU" dirty="0"/>
+              <a:rPr lang="ru-RU" dirty="0" smtClean="0">
+                <a:latin typeface="Times New Roman" pitchFamily="18" charset="0"/>
+                <a:cs typeface="Times New Roman" pitchFamily="18" charset="0"/>
+              </a:rPr>
+              <a:t>Проект выполнил</a:t>
+            </a:r>
+            <a:r>
+              <a:rPr lang="ru-RU" dirty="0">
+                <a:latin typeface="Times New Roman" pitchFamily="18" charset="0"/>
+                <a:cs typeface="Times New Roman" pitchFamily="18" charset="0"/>
+              </a:rPr>
               <a:t>и</a:t>
             </a:r>
             <a:r>
-              <a:rPr lang="ru-RU" dirty="0" smtClean="0"/>
-              <a:t> </a:t>
-            </a:r>
-            <a:r>
-              <a:rPr lang="ru-RU" b="1" dirty="0" smtClean="0"/>
-              <a:t>Макаренко Артем и</a:t>
-            </a:r>
-            <a:endParaRPr lang="ru-RU" b="1" dirty="0"/>
-          </a:p>
-          <a:p>
-            <a:r>
-              <a:rPr lang="ru-RU" dirty="0" smtClean="0"/>
-              <a:t>Плавник </a:t>
-            </a:r>
-            <a:r>
-              <a:rPr lang="ru-RU" dirty="0" smtClean="0"/>
-              <a:t>Данил</a:t>
-            </a:r>
-            <a:endParaRPr lang="ru-RU" dirty="0"/>
+              <a:rPr lang="ru-RU" dirty="0" smtClean="0">
+                <a:latin typeface="Times New Roman" pitchFamily="18" charset="0"/>
+                <a:cs typeface="Times New Roman" pitchFamily="18" charset="0"/>
+              </a:rPr>
+              <a:t> Макаренко Артем и</a:t>
+            </a:r>
+            <a:endParaRPr lang="ru-RU" dirty="0">
+              <a:latin typeface="Times New Roman" pitchFamily="18" charset="0"/>
+              <a:cs typeface="Times New Roman" pitchFamily="18" charset="0"/>
+            </a:endParaRPr>
+          </a:p>
+          <a:p>
+            <a:r>
+              <a:rPr lang="ru-RU" dirty="0" smtClean="0">
+                <a:latin typeface="Times New Roman" pitchFamily="18" charset="0"/>
+                <a:cs typeface="Times New Roman" pitchFamily="18" charset="0"/>
+              </a:rPr>
+              <a:t>Плавник Данил</a:t>
+            </a:r>
+            <a:endParaRPr lang="ru-RU" dirty="0">
+              <a:latin typeface="Times New Roman" pitchFamily="18" charset="0"/>
+              <a:cs typeface="Times New Roman" pitchFamily="18" charset="0"/>
+            </a:endParaRPr>
           </a:p>
         </p:txBody>
       </p:sp>
@@ -4727,7 +4733,7 @@
         </p:nvSpPr>
         <p:spPr>
           <a:xfrm>
-            <a:off x="323528" y="1844824"/>
+            <a:off x="323528" y="1340768"/>
             <a:ext cx="8229600" cy="4525963"/>
           </a:xfrm>
         </p:spPr>
@@ -4780,9 +4786,284 @@
           </a:p>
         </p:txBody>
       </p:sp>
+      <p:sp>
+        <p:nvSpPr>
+          <p:cNvPr id="5" name="Заголовок 2"/>
+          <p:cNvSpPr txBox="1">
+            <a:spLocks/>
+          </p:cNvSpPr>
+          <p:nvPr/>
+        </p:nvSpPr>
+        <p:spPr>
+          <a:xfrm>
+            <a:off x="251520" y="2862064"/>
+            <a:ext cx="8229600" cy="1143000"/>
+          </a:xfrm>
+          <a:prstGeom prst="rect">
+            <a:avLst/>
+          </a:prstGeom>
+        </p:spPr>
+        <p:txBody>
+          <a:bodyPr vert="horz" rtlCol="0" anchor="ctr">
+            <a:normAutofit/>
+            <a:scene3d>
+              <a:camera prst="orthographicFront"/>
+              <a:lightRig rig="soft" dir="t"/>
+            </a:scene3d>
+            <a:sp3d prstMaterial="softEdge">
+              <a:bevelT w="25400" h="25400"/>
+            </a:sp3d>
+          </a:bodyPr>
+          <a:lstStyle>
+            <a:lvl1pPr algn="l" rtl="0" eaLnBrk="1" latinLnBrk="0" hangingPunct="1">
+              <a:spcBef>
+                <a:spcPct val="0"/>
+              </a:spcBef>
+              <a:buNone/>
+              <a:defRPr kumimoji="0" sz="4100" b="1" kern="1200">
+                <a:solidFill>
+                  <a:schemeClr val="tx2"/>
+                </a:solidFill>
+                <a:effectLst>
+                  <a:outerShdw blurRad="31750" dist="25400" dir="5400000" algn="tl" rotWithShape="0">
+                    <a:srgbClr val="000000">
+                      <a:alpha val="25000"/>
+                    </a:srgbClr>
+                  </a:outerShdw>
+                </a:effectLst>
+                <a:latin typeface="+mj-lt"/>
+                <a:ea typeface="+mj-ea"/>
+                <a:cs typeface="+mj-cs"/>
+              </a:defRPr>
+            </a:lvl1pPr>
+            <a:extLst/>
+          </a:lstStyle>
+          <a:p>
+            <a:r>
+              <a:rPr lang="ru-RU" dirty="0" smtClean="0"/>
+              <a:t>Задачи</a:t>
+            </a:r>
+            <a:r>
+              <a:rPr lang="en-US" dirty="0" smtClean="0"/>
+              <a:t>:</a:t>
+            </a:r>
+            <a:endParaRPr lang="ru-RU" dirty="0"/>
+          </a:p>
+        </p:txBody>
+      </p:sp>
+      <p:sp>
+        <p:nvSpPr>
+          <p:cNvPr id="6" name="Объект 1"/>
+          <p:cNvSpPr txBox="1">
+            <a:spLocks/>
+          </p:cNvSpPr>
+          <p:nvPr/>
+        </p:nvSpPr>
+        <p:spPr>
+          <a:xfrm>
+            <a:off x="24391" y="3717741"/>
+            <a:ext cx="6480720" cy="4525963"/>
+          </a:xfrm>
+          <a:prstGeom prst="rect">
+            <a:avLst/>
+          </a:prstGeom>
+        </p:spPr>
+        <p:txBody>
+          <a:bodyPr vert="horz">
+            <a:normAutofit/>
+          </a:bodyPr>
+          <a:lstStyle>
+            <a:lvl1pPr marL="365760" indent="-256032" algn="l" rtl="0" eaLnBrk="1" latinLnBrk="0" hangingPunct="1">
+              <a:spcBef>
+                <a:spcPts val="400"/>
+              </a:spcBef>
+              <a:spcAft>
+                <a:spcPts val="0"/>
+              </a:spcAft>
+              <a:buClr>
+                <a:schemeClr val="accent1"/>
+              </a:buClr>
+              <a:buSzPct val="68000"/>
+              <a:buFont typeface="Wingdings 3"/>
+              <a:buChar char=""/>
+              <a:defRPr kumimoji="0" sz="2700" kern="1200">
+                <a:solidFill>
+                  <a:schemeClr val="tx1"/>
+                </a:solidFill>
+                <a:latin typeface="+mn-lt"/>
+                <a:ea typeface="+mn-ea"/>
+                <a:cs typeface="+mn-cs"/>
+              </a:defRPr>
+            </a:lvl1pPr>
+            <a:lvl2pPr marL="621792" indent="-228600" algn="l" rtl="0" eaLnBrk="1" latinLnBrk="0" hangingPunct="1">
+              <a:spcBef>
+                <a:spcPts val="324"/>
+              </a:spcBef>
+              <a:buClr>
+                <a:schemeClr val="accent1"/>
+              </a:buClr>
+              <a:buFont typeface="Verdana"/>
+              <a:buChar char="◦"/>
+              <a:defRPr kumimoji="0" sz="2300" kern="1200">
+                <a:solidFill>
+                  <a:schemeClr val="tx1"/>
+                </a:solidFill>
+                <a:latin typeface="+mn-lt"/>
+                <a:ea typeface="+mn-ea"/>
+                <a:cs typeface="+mn-cs"/>
+              </a:defRPr>
+            </a:lvl2pPr>
+            <a:lvl3pPr marL="859536" indent="-228600" algn="l" rtl="0" eaLnBrk="1" latinLnBrk="0" hangingPunct="1">
+              <a:spcBef>
+                <a:spcPts val="350"/>
+              </a:spcBef>
+              <a:buClr>
+                <a:schemeClr val="accent2"/>
+              </a:buClr>
+              <a:buSzPct val="100000"/>
+              <a:buFont typeface="Wingdings 2"/>
+              <a:buChar char=""/>
+              <a:defRPr kumimoji="0" sz="2100" kern="1200">
+                <a:solidFill>
+                  <a:schemeClr val="tx1"/>
+                </a:solidFill>
+                <a:latin typeface="+mn-lt"/>
+                <a:ea typeface="+mn-ea"/>
+                <a:cs typeface="+mn-cs"/>
+              </a:defRPr>
+            </a:lvl3pPr>
+            <a:lvl4pPr marL="1143000" indent="-228600" algn="l" rtl="0" eaLnBrk="1" latinLnBrk="0" hangingPunct="1">
+              <a:spcBef>
+                <a:spcPts val="350"/>
+              </a:spcBef>
+              <a:buClr>
+                <a:schemeClr val="accent2"/>
+              </a:buClr>
+              <a:buFont typeface="Wingdings 2"/>
+              <a:buChar char=""/>
+              <a:defRPr kumimoji="0" sz="1900" kern="1200">
+                <a:solidFill>
+                  <a:schemeClr val="tx1"/>
+                </a:solidFill>
+                <a:latin typeface="+mn-lt"/>
+                <a:ea typeface="+mn-ea"/>
+                <a:cs typeface="+mn-cs"/>
+              </a:defRPr>
+            </a:lvl4pPr>
+            <a:lvl5pPr marL="1371600" indent="-228600" algn="l" rtl="0" eaLnBrk="1" latinLnBrk="0" hangingPunct="1">
+              <a:spcBef>
+                <a:spcPts val="350"/>
+              </a:spcBef>
+              <a:buClr>
+                <a:schemeClr val="accent2"/>
+              </a:buClr>
+              <a:buFont typeface="Wingdings 2"/>
+              <a:buChar char=""/>
+              <a:defRPr kumimoji="0" sz="1800" kern="1200">
+                <a:solidFill>
+                  <a:schemeClr val="tx1"/>
+                </a:solidFill>
+                <a:latin typeface="+mn-lt"/>
+                <a:ea typeface="+mn-ea"/>
+                <a:cs typeface="+mn-cs"/>
+              </a:defRPr>
+            </a:lvl5pPr>
+            <a:lvl6pPr marL="1600200" indent="-228600" algn="l" rtl="0" eaLnBrk="1" latinLnBrk="0" hangingPunct="1">
+              <a:spcBef>
+                <a:spcPts val="350"/>
+              </a:spcBef>
+              <a:buClr>
+                <a:schemeClr val="accent3"/>
+              </a:buClr>
+              <a:buFont typeface="Wingdings 2"/>
+              <a:buChar char=""/>
+              <a:defRPr kumimoji="0" sz="1800" kern="1200">
+                <a:solidFill>
+                  <a:schemeClr val="tx1"/>
+                </a:solidFill>
+                <a:latin typeface="+mn-lt"/>
+                <a:ea typeface="+mn-ea"/>
+                <a:cs typeface="+mn-cs"/>
+              </a:defRPr>
+            </a:lvl6pPr>
+            <a:lvl7pPr marL="1828800" indent="-228600" algn="l" rtl="0" eaLnBrk="1" latinLnBrk="0" hangingPunct="1">
+              <a:spcBef>
+                <a:spcPts val="350"/>
+              </a:spcBef>
+              <a:buClr>
+                <a:schemeClr val="accent3"/>
+              </a:buClr>
+              <a:buFont typeface="Wingdings 2"/>
+              <a:buChar char=""/>
+              <a:defRPr kumimoji="0" sz="1600" kern="1200">
+                <a:solidFill>
+                  <a:schemeClr val="tx1"/>
+                </a:solidFill>
+                <a:latin typeface="+mn-lt"/>
+                <a:ea typeface="+mn-ea"/>
+                <a:cs typeface="+mn-cs"/>
+              </a:defRPr>
+            </a:lvl7pPr>
+            <a:lvl8pPr marL="2057400" indent="-228600" algn="l" rtl="0" eaLnBrk="1" latinLnBrk="0" hangingPunct="1">
+              <a:spcBef>
+                <a:spcPts val="350"/>
+              </a:spcBef>
+              <a:buClr>
+                <a:schemeClr val="accent3"/>
+              </a:buClr>
+              <a:buFont typeface="Wingdings 2"/>
+              <a:buChar char=""/>
+              <a:defRPr kumimoji="0" sz="1600" kern="1200">
+                <a:solidFill>
+                  <a:schemeClr val="tx1"/>
+                </a:solidFill>
+                <a:latin typeface="+mn-lt"/>
+                <a:ea typeface="+mn-ea"/>
+                <a:cs typeface="+mn-cs"/>
+              </a:defRPr>
+            </a:lvl8pPr>
+            <a:lvl9pPr marL="2286000" indent="-228600" algn="l" rtl="0" eaLnBrk="1" latinLnBrk="0" hangingPunct="1">
+              <a:spcBef>
+                <a:spcPts val="350"/>
+              </a:spcBef>
+              <a:buClr>
+                <a:schemeClr val="accent3"/>
+              </a:buClr>
+              <a:buFont typeface="Wingdings 2"/>
+              <a:buChar char=""/>
+              <a:defRPr kumimoji="0" sz="1600" kern="1200" baseline="0">
+                <a:solidFill>
+                  <a:schemeClr val="tx1"/>
+                </a:solidFill>
+                <a:latin typeface="+mn-lt"/>
+                <a:ea typeface="+mn-ea"/>
+                <a:cs typeface="+mn-cs"/>
+              </a:defRPr>
+            </a:lvl9pPr>
+            <a:extLst/>
+          </a:lstStyle>
+          <a:p>
+            <a:r>
+              <a:rPr lang="ru-RU" dirty="0" smtClean="0"/>
+              <a:t>Разработать интерфейс для </a:t>
+            </a:r>
+            <a:r>
+              <a:rPr lang="ru-RU" dirty="0" smtClean="0"/>
+              <a:t>программы.</a:t>
+            </a:r>
+          </a:p>
+          <a:p>
+            <a:r>
+              <a:rPr lang="ru-RU" dirty="0" smtClean="0"/>
+              <a:t>Реализовать разные электронные компоненты</a:t>
+            </a:r>
+            <a:endParaRPr lang="ru-RU" dirty="0" smtClean="0"/>
+          </a:p>
+        </p:txBody>
+      </p:sp>
       <p:pic>
         <p:nvPicPr>
-          <p:cNvPr id="4101" name="Picture 5"/>
+          <p:cNvPr id="1026" name="Picture 2" descr="https://im0-tub-ru.yandex.net/i?id=b1b1bef0e3180e3aa8e6eb82b12e85eb-l&amp;n=13"/>
           <p:cNvPicPr>
             <a:picLocks noChangeAspect="1" noChangeArrowheads="1"/>
           </p:cNvPicPr>
@@ -4803,318 +5084,24 @@
         </p:blipFill>
         <p:spPr bwMode="auto">
           <a:xfrm>
-            <a:off x="6516216" y="4005064"/>
-            <a:ext cx="2475823" cy="1543125"/>
+            <a:off x="5868144" y="2204864"/>
+            <a:ext cx="3131840" cy="2236642"/>
           </a:xfrm>
           <a:prstGeom prst="rect">
             <a:avLst/>
           </a:prstGeom>
           <a:noFill/>
-          <a:ln>
-            <a:noFill/>
-          </a:ln>
-          <a:effectLst/>
           <a:extLst>
             <a:ext uri="{909E8E84-426E-40DD-AFC4-6F175D3DCCD1}">
               <a14:hiddenFill xmlns:a14="http://schemas.microsoft.com/office/drawing/2010/main">
                 <a:solidFill>
-                  <a:schemeClr val="accent1"/>
+                  <a:srgbClr val="FFFFFF"/>
                 </a:solidFill>
               </a14:hiddenFill>
-            </a:ext>
-            <a:ext uri="{91240B29-F687-4F45-9708-019B960494DF}">
-              <a14:hiddenLine xmlns:a14="http://schemas.microsoft.com/office/drawing/2010/main" w="9525">
-                <a:solidFill>
-                  <a:schemeClr val="tx1"/>
-                </a:solidFill>
-                <a:miter lim="800000"/>
-                <a:headEnd/>
-                <a:tailEnd/>
-              </a14:hiddenLine>
-            </a:ext>
-            <a:ext uri="{AF507438-7753-43E0-B8FC-AC1667EBCBE1}">
-              <a14:hiddenEffects xmlns:a14="http://schemas.microsoft.com/office/drawing/2010/main">
-                <a:effectLst>
-                  <a:outerShdw dist="35921" dir="2700000" algn="ctr" rotWithShape="0">
-                    <a:schemeClr val="bg2"/>
-                  </a:outerShdw>
-                </a:effectLst>
-              </a14:hiddenEffects>
             </a:ext>
           </a:extLst>
         </p:spPr>
       </p:pic>
-      <p:sp>
-        <p:nvSpPr>
-          <p:cNvPr id="5" name="Заголовок 2"/>
-          <p:cNvSpPr txBox="1">
-            <a:spLocks/>
-          </p:cNvSpPr>
-          <p:nvPr/>
-        </p:nvSpPr>
-        <p:spPr>
-          <a:xfrm>
-            <a:off x="251520" y="2862064"/>
-            <a:ext cx="8229600" cy="1143000"/>
-          </a:xfrm>
-          <a:prstGeom prst="rect">
-            <a:avLst/>
-          </a:prstGeom>
-        </p:spPr>
-        <p:txBody>
-          <a:bodyPr vert="horz" rtlCol="0" anchor="ctr">
-            <a:normAutofit/>
-            <a:scene3d>
-              <a:camera prst="orthographicFront"/>
-              <a:lightRig rig="soft" dir="t"/>
-            </a:scene3d>
-            <a:sp3d prstMaterial="softEdge">
-              <a:bevelT w="25400" h="25400"/>
-            </a:sp3d>
-          </a:bodyPr>
-          <a:lstStyle>
-            <a:lvl1pPr algn="l" rtl="0" eaLnBrk="1" latinLnBrk="0" hangingPunct="1">
-              <a:spcBef>
-                <a:spcPct val="0"/>
-              </a:spcBef>
-              <a:buNone/>
-              <a:defRPr kumimoji="0" sz="4100" b="1" kern="1200">
-                <a:solidFill>
-                  <a:schemeClr val="tx2"/>
-                </a:solidFill>
-                <a:effectLst>
-                  <a:outerShdw blurRad="31750" dist="25400" dir="5400000" algn="tl" rotWithShape="0">
-                    <a:srgbClr val="000000">
-                      <a:alpha val="25000"/>
-                    </a:srgbClr>
-                  </a:outerShdw>
-                </a:effectLst>
-                <a:latin typeface="+mj-lt"/>
-                <a:ea typeface="+mj-ea"/>
-                <a:cs typeface="+mj-cs"/>
-              </a:defRPr>
-            </a:lvl1pPr>
-            <a:extLst/>
-          </a:lstStyle>
-          <a:p>
-            <a:r>
-              <a:rPr lang="ru-RU" dirty="0" smtClean="0"/>
-              <a:t>Задачи</a:t>
-            </a:r>
-            <a:r>
-              <a:rPr lang="en-US" dirty="0" smtClean="0"/>
-              <a:t>:</a:t>
-            </a:r>
-            <a:endParaRPr lang="ru-RU" dirty="0"/>
-          </a:p>
-        </p:txBody>
-      </p:sp>
-      <p:sp>
-        <p:nvSpPr>
-          <p:cNvPr id="6" name="Объект 1"/>
-          <p:cNvSpPr txBox="1">
-            <a:spLocks/>
-          </p:cNvSpPr>
-          <p:nvPr/>
-        </p:nvSpPr>
-        <p:spPr>
-          <a:xfrm>
-            <a:off x="323528" y="3861047"/>
-            <a:ext cx="6480720" cy="4525963"/>
-          </a:xfrm>
-          <a:prstGeom prst="rect">
-            <a:avLst/>
-          </a:prstGeom>
-        </p:spPr>
-        <p:txBody>
-          <a:bodyPr vert="horz">
-            <a:normAutofit/>
-          </a:bodyPr>
-          <a:lstStyle>
-            <a:lvl1pPr marL="365760" indent="-256032" algn="l" rtl="0" eaLnBrk="1" latinLnBrk="0" hangingPunct="1">
-              <a:spcBef>
-                <a:spcPts val="400"/>
-              </a:spcBef>
-              <a:spcAft>
-                <a:spcPts val="0"/>
-              </a:spcAft>
-              <a:buClr>
-                <a:schemeClr val="accent1"/>
-              </a:buClr>
-              <a:buSzPct val="68000"/>
-              <a:buFont typeface="Wingdings 3"/>
-              <a:buChar char=""/>
-              <a:defRPr kumimoji="0" sz="2700" kern="1200">
-                <a:solidFill>
-                  <a:schemeClr val="tx1"/>
-                </a:solidFill>
-                <a:latin typeface="+mn-lt"/>
-                <a:ea typeface="+mn-ea"/>
-                <a:cs typeface="+mn-cs"/>
-              </a:defRPr>
-            </a:lvl1pPr>
-            <a:lvl2pPr marL="621792" indent="-228600" algn="l" rtl="0" eaLnBrk="1" latinLnBrk="0" hangingPunct="1">
-              <a:spcBef>
-                <a:spcPts val="324"/>
-              </a:spcBef>
-              <a:buClr>
-                <a:schemeClr val="accent1"/>
-              </a:buClr>
-              <a:buFont typeface="Verdana"/>
-              <a:buChar char="◦"/>
-              <a:defRPr kumimoji="0" sz="2300" kern="1200">
-                <a:solidFill>
-                  <a:schemeClr val="tx1"/>
-                </a:solidFill>
-                <a:latin typeface="+mn-lt"/>
-                <a:ea typeface="+mn-ea"/>
-                <a:cs typeface="+mn-cs"/>
-              </a:defRPr>
-            </a:lvl2pPr>
-            <a:lvl3pPr marL="859536" indent="-228600" algn="l" rtl="0" eaLnBrk="1" latinLnBrk="0" hangingPunct="1">
-              <a:spcBef>
-                <a:spcPts val="350"/>
-              </a:spcBef>
-              <a:buClr>
-                <a:schemeClr val="accent2"/>
-              </a:buClr>
-              <a:buSzPct val="100000"/>
-              <a:buFont typeface="Wingdings 2"/>
-              <a:buChar char=""/>
-              <a:defRPr kumimoji="0" sz="2100" kern="1200">
-                <a:solidFill>
-                  <a:schemeClr val="tx1"/>
-                </a:solidFill>
-                <a:latin typeface="+mn-lt"/>
-                <a:ea typeface="+mn-ea"/>
-                <a:cs typeface="+mn-cs"/>
-              </a:defRPr>
-            </a:lvl3pPr>
-            <a:lvl4pPr marL="1143000" indent="-228600" algn="l" rtl="0" eaLnBrk="1" latinLnBrk="0" hangingPunct="1">
-              <a:spcBef>
-                <a:spcPts val="350"/>
-              </a:spcBef>
-              <a:buClr>
-                <a:schemeClr val="accent2"/>
-              </a:buClr>
-              <a:buFont typeface="Wingdings 2"/>
-              <a:buChar char=""/>
-              <a:defRPr kumimoji="0" sz="1900" kern="1200">
-                <a:solidFill>
-                  <a:schemeClr val="tx1"/>
-                </a:solidFill>
-                <a:latin typeface="+mn-lt"/>
-                <a:ea typeface="+mn-ea"/>
-                <a:cs typeface="+mn-cs"/>
-              </a:defRPr>
-            </a:lvl4pPr>
-            <a:lvl5pPr marL="1371600" indent="-228600" algn="l" rtl="0" eaLnBrk="1" latinLnBrk="0" hangingPunct="1">
-              <a:spcBef>
-                <a:spcPts val="350"/>
-              </a:spcBef>
-              <a:buClr>
-                <a:schemeClr val="accent2"/>
-              </a:buClr>
-              <a:buFont typeface="Wingdings 2"/>
-              <a:buChar char=""/>
-              <a:defRPr kumimoji="0" sz="1800" kern="1200">
-                <a:solidFill>
-                  <a:schemeClr val="tx1"/>
-                </a:solidFill>
-                <a:latin typeface="+mn-lt"/>
-                <a:ea typeface="+mn-ea"/>
-                <a:cs typeface="+mn-cs"/>
-              </a:defRPr>
-            </a:lvl5pPr>
-            <a:lvl6pPr marL="1600200" indent="-228600" algn="l" rtl="0" eaLnBrk="1" latinLnBrk="0" hangingPunct="1">
-              <a:spcBef>
-                <a:spcPts val="350"/>
-              </a:spcBef>
-              <a:buClr>
-                <a:schemeClr val="accent3"/>
-              </a:buClr>
-              <a:buFont typeface="Wingdings 2"/>
-              <a:buChar char=""/>
-              <a:defRPr kumimoji="0" sz="1800" kern="1200">
-                <a:solidFill>
-                  <a:schemeClr val="tx1"/>
-                </a:solidFill>
-                <a:latin typeface="+mn-lt"/>
-                <a:ea typeface="+mn-ea"/>
-                <a:cs typeface="+mn-cs"/>
-              </a:defRPr>
-            </a:lvl6pPr>
-            <a:lvl7pPr marL="1828800" indent="-228600" algn="l" rtl="0" eaLnBrk="1" latinLnBrk="0" hangingPunct="1">
-              <a:spcBef>
-                <a:spcPts val="350"/>
-              </a:spcBef>
-              <a:buClr>
-                <a:schemeClr val="accent3"/>
-              </a:buClr>
-              <a:buFont typeface="Wingdings 2"/>
-              <a:buChar char=""/>
-              <a:defRPr kumimoji="0" sz="1600" kern="1200">
-                <a:solidFill>
-                  <a:schemeClr val="tx1"/>
-                </a:solidFill>
-                <a:latin typeface="+mn-lt"/>
-                <a:ea typeface="+mn-ea"/>
-                <a:cs typeface="+mn-cs"/>
-              </a:defRPr>
-            </a:lvl7pPr>
-            <a:lvl8pPr marL="2057400" indent="-228600" algn="l" rtl="0" eaLnBrk="1" latinLnBrk="0" hangingPunct="1">
-              <a:spcBef>
-                <a:spcPts val="350"/>
-              </a:spcBef>
-              <a:buClr>
-                <a:schemeClr val="accent3"/>
-              </a:buClr>
-              <a:buFont typeface="Wingdings 2"/>
-              <a:buChar char=""/>
-              <a:defRPr kumimoji="0" sz="1600" kern="1200">
-                <a:solidFill>
-                  <a:schemeClr val="tx1"/>
-                </a:solidFill>
-                <a:latin typeface="+mn-lt"/>
-                <a:ea typeface="+mn-ea"/>
-                <a:cs typeface="+mn-cs"/>
-              </a:defRPr>
-            </a:lvl8pPr>
-            <a:lvl9pPr marL="2286000" indent="-228600" algn="l" rtl="0" eaLnBrk="1" latinLnBrk="0" hangingPunct="1">
-              <a:spcBef>
-                <a:spcPts val="350"/>
-              </a:spcBef>
-              <a:buClr>
-                <a:schemeClr val="accent3"/>
-              </a:buClr>
-              <a:buFont typeface="Wingdings 2"/>
-              <a:buChar char=""/>
-              <a:defRPr kumimoji="0" sz="1600" kern="1200" baseline="0">
-                <a:solidFill>
-                  <a:schemeClr val="tx1"/>
-                </a:solidFill>
-                <a:latin typeface="+mn-lt"/>
-                <a:ea typeface="+mn-ea"/>
-                <a:cs typeface="+mn-cs"/>
-              </a:defRPr>
-            </a:lvl9pPr>
-            <a:extLst/>
-          </a:lstStyle>
-          <a:p>
-            <a:r>
-              <a:rPr lang="ru-RU" dirty="0" smtClean="0"/>
-              <a:t>Разработать интерфейс для программы.</a:t>
-            </a:r>
-          </a:p>
-          <a:p>
-            <a:r>
-              <a:rPr lang="ru-RU" dirty="0" smtClean="0"/>
-              <a:t>Продумать физику.</a:t>
-            </a:r>
-            <a:endParaRPr lang="ru-RU" dirty="0"/>
-          </a:p>
-        </p:txBody>
-      </p:sp>
     </p:spTree>
     <p:extLst>
       <p:ext uri="{BB962C8B-B14F-4D97-AF65-F5344CB8AC3E}">
@@ -5173,11 +5160,7 @@
             </a:r>
             <a:r>
               <a:rPr lang="ru-RU" dirty="0" smtClean="0"/>
-              <a:t>электронике </a:t>
-            </a:r>
-            <a:r>
-              <a:rPr lang="ru-RU" dirty="0" smtClean="0"/>
-              <a:t>содержит </a:t>
+              <a:t>электронике содержит </a:t>
             </a:r>
             <a:r>
               <a:rPr lang="ru-RU" dirty="0"/>
@@ -5205,11 +5188,7 @@
             </a:r>
             <a:r>
               <a:rPr lang="ru-RU" dirty="0"/>
-              <a:t>лёгкие электрические схемы </a:t>
-            </a:r>
-            <a:r>
-              <a:rPr lang="ru-RU" dirty="0"/>
-              <a:t>и посмотреть </a:t>
+              <a:t>лёгкие электрические схемы и посмотреть </a:t>
             </a:r>
             <a:r>
               <a:rPr lang="ru-RU" dirty="0" smtClean="0"/>
@@ -5222,6 +5201,47 @@
           </a:p>
         </p:txBody>
       </p:sp>
+      <p:pic>
+        <p:nvPicPr>
+          <p:cNvPr id="2050" name="Picture 2" descr="https://poisknews.ru/wp-content/uploads/2020/07/shutterstock_1196754286.jpg"/>
+          <p:cNvPicPr>
+            <a:picLocks noChangeAspect="1" noChangeArrowheads="1"/>
+          </p:cNvPicPr>
+          <p:nvPr/>
+        </p:nvPicPr>
+        <p:blipFill>
+          <a:blip r:embed="rId2" cstate="print">
+            <a:extLst>
+              <a:ext uri="{28A0092B-C50C-407E-A947-70E740481C1C}">
+                <a14:useLocalDpi xmlns:a14="http://schemas.microsoft.com/office/drawing/2010/main" val="0"/>
+              </a:ext>
+            </a:extLst>
+          </a:blip>
+          <a:srcRect/>
+          <a:stretch>
+            <a:fillRect/>
+          </a:stretch>
+        </p:blipFill>
+        <p:spPr bwMode="auto">
+          <a:xfrm>
+            <a:off x="4644008" y="4221088"/>
+            <a:ext cx="3694379" cy="2078088"/>
+          </a:xfrm>
+          <a:prstGeom prst="rect">
+            <a:avLst/>
+          </a:prstGeom>
+          <a:noFill/>
+          <a:extLst>
+            <a:ext uri="{909E8E84-426E-40DD-AFC4-6F175D3DCCD1}">
+              <a14:hiddenFill xmlns:a14="http://schemas.microsoft.com/office/drawing/2010/main">
+                <a:solidFill>
+                  <a:srgbClr val="FFFFFF"/>
+                </a:solidFill>
+              </a14:hiddenFill>
+            </a:ext>
+          </a:extLst>
+        </p:spPr>
+      </p:pic>
     </p:spTree>
     <p:extLst>
       <p:ext uri="{BB962C8B-B14F-4D97-AF65-F5344CB8AC3E}">
@@ -5259,6 +5279,1499 @@
           <a:chExt cx="0" cy="0"/>
         </a:xfrm>
       </p:grpSpPr>
+      <p:pic>
+        <p:nvPicPr>
+          <p:cNvPr id="5122" name="Picture 2"/>
+          <p:cNvPicPr>
+            <a:picLocks noChangeAspect="1" noChangeArrowheads="1"/>
+          </p:cNvPicPr>
+          <p:nvPr/>
+        </p:nvPicPr>
+        <p:blipFill>
+          <a:blip r:embed="rId2" cstate="print">
+            <a:extLst>
+              <a:ext uri="{28A0092B-C50C-407E-A947-70E740481C1C}">
+                <a14:useLocalDpi xmlns:a14="http://schemas.microsoft.com/office/drawing/2010/main" val="0"/>
+              </a:ext>
+            </a:extLst>
+          </a:blip>
+          <a:srcRect/>
+          <a:stretch>
+            <a:fillRect/>
+          </a:stretch>
+        </p:blipFill>
+        <p:spPr bwMode="auto">
+          <a:xfrm>
+            <a:off x="323528" y="1124744"/>
+            <a:ext cx="5373394" cy="2940078"/>
+          </a:xfrm>
+          <a:prstGeom prst="rect">
+            <a:avLst/>
+          </a:prstGeom>
+          <a:noFill/>
+          <a:ln>
+            <a:noFill/>
+          </a:ln>
+          <a:effectLst/>
+          <a:extLst>
+            <a:ext uri="{909E8E84-426E-40DD-AFC4-6F175D3DCCD1}">
+              <a14:hiddenFill xmlns:a14="http://schemas.microsoft.com/office/drawing/2010/main">
+                <a:solidFill>
+                  <a:schemeClr val="accent1"/>
+                </a:solidFill>
+              </a14:hiddenFill>
+            </a:ext>
+            <a:ext uri="{91240B29-F687-4F45-9708-019B960494DF}">
+              <a14:hiddenLine xmlns:a14="http://schemas.microsoft.com/office/drawing/2010/main" w="9525">
+                <a:solidFill>
+                  <a:schemeClr val="tx1"/>
+                </a:solidFill>
+                <a:miter lim="800000"/>
+                <a:headEnd/>
+                <a:tailEnd/>
+              </a14:hiddenLine>
+            </a:ext>
+            <a:ext uri="{AF507438-7753-43E0-B8FC-AC1667EBCBE1}">
+              <a14:hiddenEffects xmlns:a14="http://schemas.microsoft.com/office/drawing/2010/main">
+                <a:effectLst>
+                  <a:outerShdw dist="35921" dir="2700000" algn="ctr" rotWithShape="0">
+                    <a:schemeClr val="bg2"/>
+                  </a:outerShdw>
+                </a:effectLst>
+              </a14:hiddenEffects>
+            </a:ext>
+          </a:extLst>
+        </p:spPr>
+      </p:pic>
+      <p:sp>
+        <p:nvSpPr>
+          <p:cNvPr id="3" name="TextBox 3"/>
+          <p:cNvSpPr txBox="1"/>
+          <p:nvPr/>
+        </p:nvSpPr>
+        <p:spPr>
+          <a:xfrm>
+            <a:off x="35496" y="551058"/>
+            <a:ext cx="1596912" cy="307777"/>
+          </a:xfrm>
+          <a:prstGeom prst="rect">
+            <a:avLst/>
+          </a:prstGeom>
+          <a:noFill/>
+        </p:spPr>
+        <p:txBody>
+          <a:bodyPr wrap="none" rtlCol="0">
+            <a:spAutoFit/>
+          </a:bodyPr>
+          <a:lstStyle>
+            <a:defPPr>
+              <a:defRPr lang="ru-RU"/>
+            </a:defPPr>
+            <a:lvl1pPr marL="0" algn="l" defTabSz="914400" rtl="0" eaLnBrk="1" latinLnBrk="0" hangingPunct="1">
+              <a:defRPr sz="1800" kern="1200">
+                <a:solidFill>
+                  <a:schemeClr val="tx1"/>
+                </a:solidFill>
+                <a:latin typeface="+mn-lt"/>
+                <a:ea typeface="+mn-ea"/>
+                <a:cs typeface="+mn-cs"/>
+              </a:defRPr>
+            </a:lvl1pPr>
+            <a:lvl2pPr marL="457200" algn="l" defTabSz="914400" rtl="0" eaLnBrk="1" latinLnBrk="0" hangingPunct="1">
+              <a:defRPr sz="1800" kern="1200">
+                <a:solidFill>
+                  <a:schemeClr val="tx1"/>
+                </a:solidFill>
+                <a:latin typeface="+mn-lt"/>
+                <a:ea typeface="+mn-ea"/>
+                <a:cs typeface="+mn-cs"/>
+              </a:defRPr>
+            </a:lvl2pPr>
+            <a:lvl3pPr marL="914400" algn="l" defTabSz="914400" rtl="0" eaLnBrk="1" latinLnBrk="0" hangingPunct="1">
+              <a:defRPr sz="1800" kern="1200">
+                <a:solidFill>
+                  <a:schemeClr val="tx1"/>
+                </a:solidFill>
+                <a:latin typeface="+mn-lt"/>
+                <a:ea typeface="+mn-ea"/>
+                <a:cs typeface="+mn-cs"/>
+              </a:defRPr>
+            </a:lvl3pPr>
+            <a:lvl4pPr marL="1371600" algn="l" defTabSz="914400" rtl="0" eaLnBrk="1" latinLnBrk="0" hangingPunct="1">
+              <a:defRPr sz="1800" kern="1200">
+                <a:solidFill>
+                  <a:schemeClr val="tx1"/>
+                </a:solidFill>
+                <a:latin typeface="+mn-lt"/>
+                <a:ea typeface="+mn-ea"/>
+                <a:cs typeface="+mn-cs"/>
+              </a:defRPr>
+            </a:lvl4pPr>
+            <a:lvl5pPr marL="1828800" algn="l" defTabSz="914400" rtl="0" eaLnBrk="1" latinLnBrk="0" hangingPunct="1">
+              <a:defRPr sz="1800" kern="1200">
+                <a:solidFill>
+                  <a:schemeClr val="tx1"/>
+                </a:solidFill>
+                <a:latin typeface="+mn-lt"/>
+                <a:ea typeface="+mn-ea"/>
+                <a:cs typeface="+mn-cs"/>
+              </a:defRPr>
+            </a:lvl5pPr>
+            <a:lvl6pPr marL="2286000" algn="l" defTabSz="914400" rtl="0" eaLnBrk="1" latinLnBrk="0" hangingPunct="1">
+              <a:defRPr sz="1800" kern="1200">
+                <a:solidFill>
+                  <a:schemeClr val="tx1"/>
+                </a:solidFill>
+                <a:latin typeface="+mn-lt"/>
+                <a:ea typeface="+mn-ea"/>
+                <a:cs typeface="+mn-cs"/>
+              </a:defRPr>
+            </a:lvl6pPr>
+            <a:lvl7pPr marL="2743200" algn="l" defTabSz="914400" rtl="0" eaLnBrk="1" latinLnBrk="0" hangingPunct="1">
+              <a:defRPr sz="1800" kern="1200">
+                <a:solidFill>
+                  <a:schemeClr val="tx1"/>
+                </a:solidFill>
+                <a:latin typeface="+mn-lt"/>
+                <a:ea typeface="+mn-ea"/>
+                <a:cs typeface="+mn-cs"/>
+              </a:defRPr>
+            </a:lvl7pPr>
+            <a:lvl8pPr marL="3200400" algn="l" defTabSz="914400" rtl="0" eaLnBrk="1" latinLnBrk="0" hangingPunct="1">
+              <a:defRPr sz="1800" kern="1200">
+                <a:solidFill>
+                  <a:schemeClr val="tx1"/>
+                </a:solidFill>
+                <a:latin typeface="+mn-lt"/>
+                <a:ea typeface="+mn-ea"/>
+                <a:cs typeface="+mn-cs"/>
+              </a:defRPr>
+            </a:lvl8pPr>
+            <a:lvl9pPr marL="3657600" algn="l" defTabSz="914400" rtl="0" eaLnBrk="1" latinLnBrk="0" hangingPunct="1">
+              <a:defRPr sz="1800" kern="1200">
+                <a:solidFill>
+                  <a:schemeClr val="tx1"/>
+                </a:solidFill>
+                <a:latin typeface="+mn-lt"/>
+                <a:ea typeface="+mn-ea"/>
+                <a:cs typeface="+mn-cs"/>
+              </a:defRPr>
+            </a:lvl9pPr>
+          </a:lstStyle>
+          <a:p>
+            <a:r>
+              <a:rPr lang="ru-RU" sz="1400" dirty="0" smtClean="0"/>
+              <a:t>Стартовое окно</a:t>
+            </a:r>
+            <a:endParaRPr lang="ru-RU" sz="1400" dirty="0"/>
+          </a:p>
+        </p:txBody>
+      </p:sp>
+      <p:cxnSp>
+        <p:nvCxnSpPr>
+          <p:cNvPr id="4" name="Прямая со стрелкой 3"/>
+          <p:cNvCxnSpPr/>
+          <p:nvPr/>
+        </p:nvCxnSpPr>
+        <p:spPr>
+          <a:xfrm>
+            <a:off x="1403648" y="858835"/>
+            <a:ext cx="108534" cy="206151"/>
+          </a:xfrm>
+          <a:prstGeom prst="straightConnector1">
+            <a:avLst/>
+          </a:prstGeom>
+          <a:ln>
+            <a:solidFill>
+              <a:schemeClr val="tx1"/>
+            </a:solidFill>
+            <a:tailEnd type="arrow"/>
+          </a:ln>
+        </p:spPr>
+        <p:style>
+          <a:lnRef idx="1">
+            <a:schemeClr val="accent1"/>
+          </a:lnRef>
+          <a:fillRef idx="0">
+            <a:schemeClr val="accent1"/>
+          </a:fillRef>
+          <a:effectRef idx="0">
+            <a:schemeClr val="accent1"/>
+          </a:effectRef>
+          <a:fontRef idx="minor">
+            <a:schemeClr val="tx1"/>
+          </a:fontRef>
+        </p:style>
+      </p:cxnSp>
+      <p:pic>
+        <p:nvPicPr>
+          <p:cNvPr id="5124" name="Picture 4"/>
+          <p:cNvPicPr>
+            <a:picLocks noChangeAspect="1" noChangeArrowheads="1"/>
+          </p:cNvPicPr>
+          <p:nvPr/>
+        </p:nvPicPr>
+        <p:blipFill>
+          <a:blip r:embed="rId3">
+            <a:extLst>
+              <a:ext uri="{28A0092B-C50C-407E-A947-70E740481C1C}">
+                <a14:useLocalDpi xmlns:a14="http://schemas.microsoft.com/office/drawing/2010/main" val="0"/>
+              </a:ext>
+            </a:extLst>
+          </a:blip>
+          <a:srcRect/>
+          <a:stretch>
+            <a:fillRect/>
+          </a:stretch>
+        </p:blipFill>
+        <p:spPr bwMode="auto">
+          <a:xfrm>
+            <a:off x="2189465" y="2566862"/>
+            <a:ext cx="6948265" cy="4155729"/>
+          </a:xfrm>
+          <a:prstGeom prst="rect">
+            <a:avLst/>
+          </a:prstGeom>
+          <a:noFill/>
+          <a:ln>
+            <a:noFill/>
+          </a:ln>
+          <a:effectLst/>
+          <a:extLst>
+            <a:ext uri="{909E8E84-426E-40DD-AFC4-6F175D3DCCD1}">
+              <a14:hiddenFill xmlns:a14="http://schemas.microsoft.com/office/drawing/2010/main">
+                <a:solidFill>
+                  <a:schemeClr val="accent1"/>
+                </a:solidFill>
+              </a14:hiddenFill>
+            </a:ext>
+            <a:ext uri="{91240B29-F687-4F45-9708-019B960494DF}">
+              <a14:hiddenLine xmlns:a14="http://schemas.microsoft.com/office/drawing/2010/main" w="9525">
+                <a:solidFill>
+                  <a:schemeClr val="tx1"/>
+                </a:solidFill>
+                <a:miter lim="800000"/>
+                <a:headEnd/>
+                <a:tailEnd/>
+              </a14:hiddenLine>
+            </a:ext>
+            <a:ext uri="{AF507438-7753-43E0-B8FC-AC1667EBCBE1}">
+              <a14:hiddenEffects xmlns:a14="http://schemas.microsoft.com/office/drawing/2010/main">
+                <a:effectLst>
+                  <a:outerShdw dist="35921" dir="2700000" algn="ctr" rotWithShape="0">
+                    <a:schemeClr val="bg2"/>
+                  </a:outerShdw>
+                </a:effectLst>
+              </a14:hiddenEffects>
+            </a:ext>
+          </a:extLst>
+        </p:spPr>
+      </p:pic>
+      <p:sp>
+        <p:nvSpPr>
+          <p:cNvPr id="10" name="TextBox 21"/>
+          <p:cNvSpPr txBox="1"/>
+          <p:nvPr/>
+        </p:nvSpPr>
+        <p:spPr>
+          <a:xfrm>
+            <a:off x="-20338" y="4293096"/>
+            <a:ext cx="2340128" cy="523220"/>
+          </a:xfrm>
+          <a:prstGeom prst="rect">
+            <a:avLst/>
+          </a:prstGeom>
+          <a:noFill/>
+        </p:spPr>
+        <p:txBody>
+          <a:bodyPr wrap="square" rtlCol="0">
+            <a:spAutoFit/>
+          </a:bodyPr>
+          <a:lstStyle>
+            <a:defPPr>
+              <a:defRPr lang="ru-RU"/>
+            </a:defPPr>
+            <a:lvl1pPr marL="0" algn="l" defTabSz="914400" rtl="0" eaLnBrk="1" latinLnBrk="0" hangingPunct="1">
+              <a:defRPr sz="1800" kern="1200">
+                <a:solidFill>
+                  <a:schemeClr val="tx1"/>
+                </a:solidFill>
+                <a:latin typeface="+mn-lt"/>
+                <a:ea typeface="+mn-ea"/>
+                <a:cs typeface="+mn-cs"/>
+              </a:defRPr>
+            </a:lvl1pPr>
+            <a:lvl2pPr marL="457200" algn="l" defTabSz="914400" rtl="0" eaLnBrk="1" latinLnBrk="0" hangingPunct="1">
+              <a:defRPr sz="1800" kern="1200">
+                <a:solidFill>
+                  <a:schemeClr val="tx1"/>
+                </a:solidFill>
+                <a:latin typeface="+mn-lt"/>
+                <a:ea typeface="+mn-ea"/>
+                <a:cs typeface="+mn-cs"/>
+              </a:defRPr>
+            </a:lvl2pPr>
+            <a:lvl3pPr marL="914400" algn="l" defTabSz="914400" rtl="0" eaLnBrk="1" latinLnBrk="0" hangingPunct="1">
+              <a:defRPr sz="1800" kern="1200">
+                <a:solidFill>
+                  <a:schemeClr val="tx1"/>
+                </a:solidFill>
+                <a:latin typeface="+mn-lt"/>
+                <a:ea typeface="+mn-ea"/>
+                <a:cs typeface="+mn-cs"/>
+              </a:defRPr>
+            </a:lvl3pPr>
+            <a:lvl4pPr marL="1371600" algn="l" defTabSz="914400" rtl="0" eaLnBrk="1" latinLnBrk="0" hangingPunct="1">
+              <a:defRPr sz="1800" kern="1200">
+                <a:solidFill>
+                  <a:schemeClr val="tx1"/>
+                </a:solidFill>
+                <a:latin typeface="+mn-lt"/>
+                <a:ea typeface="+mn-ea"/>
+                <a:cs typeface="+mn-cs"/>
+              </a:defRPr>
+            </a:lvl4pPr>
+            <a:lvl5pPr marL="1828800" algn="l" defTabSz="914400" rtl="0" eaLnBrk="1" latinLnBrk="0" hangingPunct="1">
+              <a:defRPr sz="1800" kern="1200">
+                <a:solidFill>
+                  <a:schemeClr val="tx1"/>
+                </a:solidFill>
+                <a:latin typeface="+mn-lt"/>
+                <a:ea typeface="+mn-ea"/>
+                <a:cs typeface="+mn-cs"/>
+              </a:defRPr>
+            </a:lvl5pPr>
+            <a:lvl6pPr marL="2286000" algn="l" defTabSz="914400" rtl="0" eaLnBrk="1" latinLnBrk="0" hangingPunct="1">
+              <a:defRPr sz="1800" kern="1200">
+                <a:solidFill>
+                  <a:schemeClr val="tx1"/>
+                </a:solidFill>
+                <a:latin typeface="+mn-lt"/>
+                <a:ea typeface="+mn-ea"/>
+                <a:cs typeface="+mn-cs"/>
+              </a:defRPr>
+            </a:lvl6pPr>
+            <a:lvl7pPr marL="2743200" algn="l" defTabSz="914400" rtl="0" eaLnBrk="1" latinLnBrk="0" hangingPunct="1">
+              <a:defRPr sz="1800" kern="1200">
+                <a:solidFill>
+                  <a:schemeClr val="tx1"/>
+                </a:solidFill>
+                <a:latin typeface="+mn-lt"/>
+                <a:ea typeface="+mn-ea"/>
+                <a:cs typeface="+mn-cs"/>
+              </a:defRPr>
+            </a:lvl7pPr>
+            <a:lvl8pPr marL="3200400" algn="l" defTabSz="914400" rtl="0" eaLnBrk="1" latinLnBrk="0" hangingPunct="1">
+              <a:defRPr sz="1800" kern="1200">
+                <a:solidFill>
+                  <a:schemeClr val="tx1"/>
+                </a:solidFill>
+                <a:latin typeface="+mn-lt"/>
+                <a:ea typeface="+mn-ea"/>
+                <a:cs typeface="+mn-cs"/>
+              </a:defRPr>
+            </a:lvl8pPr>
+            <a:lvl9pPr marL="3657600" algn="l" defTabSz="914400" rtl="0" eaLnBrk="1" latinLnBrk="0" hangingPunct="1">
+              <a:defRPr sz="1800" kern="1200">
+                <a:solidFill>
+                  <a:schemeClr val="tx1"/>
+                </a:solidFill>
+                <a:latin typeface="+mn-lt"/>
+                <a:ea typeface="+mn-ea"/>
+                <a:cs typeface="+mn-cs"/>
+              </a:defRPr>
+            </a:lvl9pPr>
+          </a:lstStyle>
+          <a:p>
+            <a:pPr algn="ctr"/>
+            <a:r>
+              <a:rPr lang="ru-RU" sz="1400" dirty="0" smtClean="0"/>
+              <a:t>Список группы элементов</a:t>
+            </a:r>
+            <a:endParaRPr lang="ru-RU" sz="1400" dirty="0"/>
+          </a:p>
+        </p:txBody>
+      </p:sp>
+      <p:cxnSp>
+        <p:nvCxnSpPr>
+          <p:cNvPr id="11" name="Прямая со стрелкой 10"/>
+          <p:cNvCxnSpPr>
+            <a:stCxn id="10" idx="0"/>
+          </p:cNvCxnSpPr>
+          <p:nvPr/>
+        </p:nvCxnSpPr>
+        <p:spPr>
+          <a:xfrm flipV="1">
+            <a:off x="1149726" y="2831332"/>
+            <a:ext cx="1170064" cy="1461764"/>
+          </a:xfrm>
+          <a:prstGeom prst="straightConnector1">
+            <a:avLst/>
+          </a:prstGeom>
+          <a:ln>
+            <a:solidFill>
+              <a:srgbClr val="FF0000"/>
+            </a:solidFill>
+            <a:tailEnd type="arrow"/>
+          </a:ln>
+        </p:spPr>
+        <p:style>
+          <a:lnRef idx="1">
+            <a:schemeClr val="accent1"/>
+          </a:lnRef>
+          <a:fillRef idx="0">
+            <a:schemeClr val="accent1"/>
+          </a:fillRef>
+          <a:effectRef idx="0">
+            <a:schemeClr val="accent1"/>
+          </a:effectRef>
+          <a:fontRef idx="minor">
+            <a:schemeClr val="tx1"/>
+          </a:fontRef>
+        </p:style>
+      </p:cxnSp>
+      <p:sp>
+        <p:nvSpPr>
+          <p:cNvPr id="14" name="TextBox 21"/>
+          <p:cNvSpPr txBox="1"/>
+          <p:nvPr/>
+        </p:nvSpPr>
+        <p:spPr>
+          <a:xfrm>
+            <a:off x="233584" y="5301208"/>
+            <a:ext cx="2340128" cy="307777"/>
+          </a:xfrm>
+          <a:prstGeom prst="rect">
+            <a:avLst/>
+          </a:prstGeom>
+          <a:noFill/>
+        </p:spPr>
+        <p:txBody>
+          <a:bodyPr wrap="square" rtlCol="0">
+            <a:spAutoFit/>
+          </a:bodyPr>
+          <a:lstStyle>
+            <a:defPPr>
+              <a:defRPr lang="ru-RU"/>
+            </a:defPPr>
+            <a:lvl1pPr marL="0" algn="l" defTabSz="914400" rtl="0" eaLnBrk="1" latinLnBrk="0" hangingPunct="1">
+              <a:defRPr sz="1800" kern="1200">
+                <a:solidFill>
+                  <a:schemeClr val="tx1"/>
+                </a:solidFill>
+                <a:latin typeface="+mn-lt"/>
+                <a:ea typeface="+mn-ea"/>
+                <a:cs typeface="+mn-cs"/>
+              </a:defRPr>
+            </a:lvl1pPr>
+            <a:lvl2pPr marL="457200" algn="l" defTabSz="914400" rtl="0" eaLnBrk="1" latinLnBrk="0" hangingPunct="1">
+              <a:defRPr sz="1800" kern="1200">
+                <a:solidFill>
+                  <a:schemeClr val="tx1"/>
+                </a:solidFill>
+                <a:latin typeface="+mn-lt"/>
+                <a:ea typeface="+mn-ea"/>
+                <a:cs typeface="+mn-cs"/>
+              </a:defRPr>
+            </a:lvl2pPr>
+            <a:lvl3pPr marL="914400" algn="l" defTabSz="914400" rtl="0" eaLnBrk="1" latinLnBrk="0" hangingPunct="1">
+              <a:defRPr sz="1800" kern="1200">
+                <a:solidFill>
+                  <a:schemeClr val="tx1"/>
+                </a:solidFill>
+                <a:latin typeface="+mn-lt"/>
+                <a:ea typeface="+mn-ea"/>
+                <a:cs typeface="+mn-cs"/>
+              </a:defRPr>
+            </a:lvl3pPr>
+            <a:lvl4pPr marL="1371600" algn="l" defTabSz="914400" rtl="0" eaLnBrk="1" latinLnBrk="0" hangingPunct="1">
+              <a:defRPr sz="1800" kern="1200">
+                <a:solidFill>
+                  <a:schemeClr val="tx1"/>
+                </a:solidFill>
+                <a:latin typeface="+mn-lt"/>
+                <a:ea typeface="+mn-ea"/>
+                <a:cs typeface="+mn-cs"/>
+              </a:defRPr>
+            </a:lvl4pPr>
+            <a:lvl5pPr marL="1828800" algn="l" defTabSz="914400" rtl="0" eaLnBrk="1" latinLnBrk="0" hangingPunct="1">
+              <a:defRPr sz="1800" kern="1200">
+                <a:solidFill>
+                  <a:schemeClr val="tx1"/>
+                </a:solidFill>
+                <a:latin typeface="+mn-lt"/>
+                <a:ea typeface="+mn-ea"/>
+                <a:cs typeface="+mn-cs"/>
+              </a:defRPr>
+            </a:lvl5pPr>
+            <a:lvl6pPr marL="2286000" algn="l" defTabSz="914400" rtl="0" eaLnBrk="1" latinLnBrk="0" hangingPunct="1">
+              <a:defRPr sz="1800" kern="1200">
+                <a:solidFill>
+                  <a:schemeClr val="tx1"/>
+                </a:solidFill>
+                <a:latin typeface="+mn-lt"/>
+                <a:ea typeface="+mn-ea"/>
+                <a:cs typeface="+mn-cs"/>
+              </a:defRPr>
+            </a:lvl6pPr>
+            <a:lvl7pPr marL="2743200" algn="l" defTabSz="914400" rtl="0" eaLnBrk="1" latinLnBrk="0" hangingPunct="1">
+              <a:defRPr sz="1800" kern="1200">
+                <a:solidFill>
+                  <a:schemeClr val="tx1"/>
+                </a:solidFill>
+                <a:latin typeface="+mn-lt"/>
+                <a:ea typeface="+mn-ea"/>
+                <a:cs typeface="+mn-cs"/>
+              </a:defRPr>
+            </a:lvl7pPr>
+            <a:lvl8pPr marL="3200400" algn="l" defTabSz="914400" rtl="0" eaLnBrk="1" latinLnBrk="0" hangingPunct="1">
+              <a:defRPr sz="1800" kern="1200">
+                <a:solidFill>
+                  <a:schemeClr val="tx1"/>
+                </a:solidFill>
+                <a:latin typeface="+mn-lt"/>
+                <a:ea typeface="+mn-ea"/>
+                <a:cs typeface="+mn-cs"/>
+              </a:defRPr>
+            </a:lvl8pPr>
+            <a:lvl9pPr marL="3657600" algn="l" defTabSz="914400" rtl="0" eaLnBrk="1" latinLnBrk="0" hangingPunct="1">
+              <a:defRPr sz="1800" kern="1200">
+                <a:solidFill>
+                  <a:schemeClr val="tx1"/>
+                </a:solidFill>
+                <a:latin typeface="+mn-lt"/>
+                <a:ea typeface="+mn-ea"/>
+                <a:cs typeface="+mn-cs"/>
+              </a:defRPr>
+            </a:lvl9pPr>
+          </a:lstStyle>
+          <a:p>
+            <a:pPr algn="ctr"/>
+            <a:r>
+              <a:rPr lang="ru-RU" sz="1400" dirty="0" smtClean="0"/>
+              <a:t>Выбор элементов</a:t>
+            </a:r>
+            <a:endParaRPr lang="ru-RU" sz="1400" dirty="0"/>
+          </a:p>
+        </p:txBody>
+      </p:sp>
+      <p:cxnSp>
+        <p:nvCxnSpPr>
+          <p:cNvPr id="15" name="Прямая со стрелкой 14"/>
+          <p:cNvCxnSpPr>
+            <a:stCxn id="14" idx="0"/>
+          </p:cNvCxnSpPr>
+          <p:nvPr/>
+        </p:nvCxnSpPr>
+        <p:spPr>
+          <a:xfrm flipV="1">
+            <a:off x="1403648" y="3429000"/>
+            <a:ext cx="1170064" cy="1872208"/>
+          </a:xfrm>
+          <a:prstGeom prst="straightConnector1">
+            <a:avLst/>
+          </a:prstGeom>
+          <a:ln>
+            <a:solidFill>
+              <a:srgbClr val="FF0000"/>
+            </a:solidFill>
+            <a:tailEnd type="arrow"/>
+          </a:ln>
+        </p:spPr>
+        <p:style>
+          <a:lnRef idx="1">
+            <a:schemeClr val="accent1"/>
+          </a:lnRef>
+          <a:fillRef idx="0">
+            <a:schemeClr val="accent1"/>
+          </a:fillRef>
+          <a:effectRef idx="0">
+            <a:schemeClr val="accent1"/>
+          </a:effectRef>
+          <a:fontRef idx="minor">
+            <a:schemeClr val="tx1"/>
+          </a:fontRef>
+        </p:style>
+      </p:cxnSp>
+      <p:sp>
+        <p:nvSpPr>
+          <p:cNvPr id="17" name="TextBox 21"/>
+          <p:cNvSpPr txBox="1"/>
+          <p:nvPr/>
+        </p:nvSpPr>
+        <p:spPr>
+          <a:xfrm>
+            <a:off x="5663597" y="2002058"/>
+            <a:ext cx="2340128" cy="307777"/>
+          </a:xfrm>
+          <a:prstGeom prst="rect">
+            <a:avLst/>
+          </a:prstGeom>
+          <a:noFill/>
+        </p:spPr>
+        <p:txBody>
+          <a:bodyPr wrap="square" rtlCol="0">
+            <a:spAutoFit/>
+          </a:bodyPr>
+          <a:lstStyle>
+            <a:defPPr>
+              <a:defRPr lang="ru-RU"/>
+            </a:defPPr>
+            <a:lvl1pPr marL="0" algn="l" defTabSz="914400" rtl="0" eaLnBrk="1" latinLnBrk="0" hangingPunct="1">
+              <a:defRPr sz="1800" kern="1200">
+                <a:solidFill>
+                  <a:schemeClr val="tx1"/>
+                </a:solidFill>
+                <a:latin typeface="+mn-lt"/>
+                <a:ea typeface="+mn-ea"/>
+                <a:cs typeface="+mn-cs"/>
+              </a:defRPr>
+            </a:lvl1pPr>
+            <a:lvl2pPr marL="457200" algn="l" defTabSz="914400" rtl="0" eaLnBrk="1" latinLnBrk="0" hangingPunct="1">
+              <a:defRPr sz="1800" kern="1200">
+                <a:solidFill>
+                  <a:schemeClr val="tx1"/>
+                </a:solidFill>
+                <a:latin typeface="+mn-lt"/>
+                <a:ea typeface="+mn-ea"/>
+                <a:cs typeface="+mn-cs"/>
+              </a:defRPr>
+            </a:lvl2pPr>
+            <a:lvl3pPr marL="914400" algn="l" defTabSz="914400" rtl="0" eaLnBrk="1" latinLnBrk="0" hangingPunct="1">
+              <a:defRPr sz="1800" kern="1200">
+                <a:solidFill>
+                  <a:schemeClr val="tx1"/>
+                </a:solidFill>
+                <a:latin typeface="+mn-lt"/>
+                <a:ea typeface="+mn-ea"/>
+                <a:cs typeface="+mn-cs"/>
+              </a:defRPr>
+            </a:lvl3pPr>
+            <a:lvl4pPr marL="1371600" algn="l" defTabSz="914400" rtl="0" eaLnBrk="1" latinLnBrk="0" hangingPunct="1">
+              <a:defRPr sz="1800" kern="1200">
+                <a:solidFill>
+                  <a:schemeClr val="tx1"/>
+                </a:solidFill>
+                <a:latin typeface="+mn-lt"/>
+                <a:ea typeface="+mn-ea"/>
+                <a:cs typeface="+mn-cs"/>
+              </a:defRPr>
+            </a:lvl4pPr>
+            <a:lvl5pPr marL="1828800" algn="l" defTabSz="914400" rtl="0" eaLnBrk="1" latinLnBrk="0" hangingPunct="1">
+              <a:defRPr sz="1800" kern="1200">
+                <a:solidFill>
+                  <a:schemeClr val="tx1"/>
+                </a:solidFill>
+                <a:latin typeface="+mn-lt"/>
+                <a:ea typeface="+mn-ea"/>
+                <a:cs typeface="+mn-cs"/>
+              </a:defRPr>
+            </a:lvl5pPr>
+            <a:lvl6pPr marL="2286000" algn="l" defTabSz="914400" rtl="0" eaLnBrk="1" latinLnBrk="0" hangingPunct="1">
+              <a:defRPr sz="1800" kern="1200">
+                <a:solidFill>
+                  <a:schemeClr val="tx1"/>
+                </a:solidFill>
+                <a:latin typeface="+mn-lt"/>
+                <a:ea typeface="+mn-ea"/>
+                <a:cs typeface="+mn-cs"/>
+              </a:defRPr>
+            </a:lvl6pPr>
+            <a:lvl7pPr marL="2743200" algn="l" defTabSz="914400" rtl="0" eaLnBrk="1" latinLnBrk="0" hangingPunct="1">
+              <a:defRPr sz="1800" kern="1200">
+                <a:solidFill>
+                  <a:schemeClr val="tx1"/>
+                </a:solidFill>
+                <a:latin typeface="+mn-lt"/>
+                <a:ea typeface="+mn-ea"/>
+                <a:cs typeface="+mn-cs"/>
+              </a:defRPr>
+            </a:lvl7pPr>
+            <a:lvl8pPr marL="3200400" algn="l" defTabSz="914400" rtl="0" eaLnBrk="1" latinLnBrk="0" hangingPunct="1">
+              <a:defRPr sz="1800" kern="1200">
+                <a:solidFill>
+                  <a:schemeClr val="tx1"/>
+                </a:solidFill>
+                <a:latin typeface="+mn-lt"/>
+                <a:ea typeface="+mn-ea"/>
+                <a:cs typeface="+mn-cs"/>
+              </a:defRPr>
+            </a:lvl8pPr>
+            <a:lvl9pPr marL="3657600" algn="l" defTabSz="914400" rtl="0" eaLnBrk="1" latinLnBrk="0" hangingPunct="1">
+              <a:defRPr sz="1800" kern="1200">
+                <a:solidFill>
+                  <a:schemeClr val="tx1"/>
+                </a:solidFill>
+                <a:latin typeface="+mn-lt"/>
+                <a:ea typeface="+mn-ea"/>
+                <a:cs typeface="+mn-cs"/>
+              </a:defRPr>
+            </a:lvl9pPr>
+          </a:lstStyle>
+          <a:p>
+            <a:pPr algn="ctr"/>
+            <a:r>
+              <a:rPr lang="ru-RU" sz="1400" dirty="0" smtClean="0"/>
+              <a:t>Рабочее поле</a:t>
+            </a:r>
+            <a:endParaRPr lang="ru-RU" sz="1400" dirty="0"/>
+          </a:p>
+        </p:txBody>
+      </p:sp>
+      <p:cxnSp>
+        <p:nvCxnSpPr>
+          <p:cNvPr id="22" name="Прямая со стрелкой 21"/>
+          <p:cNvCxnSpPr>
+            <a:stCxn id="17" idx="2"/>
+          </p:cNvCxnSpPr>
+          <p:nvPr/>
+        </p:nvCxnSpPr>
+        <p:spPr>
+          <a:xfrm flipH="1">
+            <a:off x="6095645" y="2309835"/>
+            <a:ext cx="738016" cy="1132383"/>
+          </a:xfrm>
+          <a:prstGeom prst="straightConnector1">
+            <a:avLst/>
+          </a:prstGeom>
+          <a:ln>
+            <a:solidFill>
+              <a:schemeClr val="tx1"/>
+            </a:solidFill>
+            <a:tailEnd type="arrow"/>
+          </a:ln>
+        </p:spPr>
+        <p:style>
+          <a:lnRef idx="1">
+            <a:schemeClr val="accent1"/>
+          </a:lnRef>
+          <a:fillRef idx="0">
+            <a:schemeClr val="accent1"/>
+          </a:fillRef>
+          <a:effectRef idx="0">
+            <a:schemeClr val="accent1"/>
+          </a:effectRef>
+          <a:fontRef idx="minor">
+            <a:schemeClr val="tx1"/>
+          </a:fontRef>
+        </p:style>
+      </p:cxnSp>
+      <p:sp>
+        <p:nvSpPr>
+          <p:cNvPr id="25" name="TextBox 21"/>
+          <p:cNvSpPr txBox="1"/>
+          <p:nvPr/>
+        </p:nvSpPr>
+        <p:spPr>
+          <a:xfrm>
+            <a:off x="5868144" y="1530680"/>
+            <a:ext cx="2340128" cy="307777"/>
+          </a:xfrm>
+          <a:prstGeom prst="rect">
+            <a:avLst/>
+          </a:prstGeom>
+          <a:noFill/>
+        </p:spPr>
+        <p:txBody>
+          <a:bodyPr wrap="square" rtlCol="0">
+            <a:spAutoFit/>
+          </a:bodyPr>
+          <a:lstStyle>
+            <a:defPPr>
+              <a:defRPr lang="ru-RU"/>
+            </a:defPPr>
+            <a:lvl1pPr marL="0" algn="l" defTabSz="914400" rtl="0" eaLnBrk="1" latinLnBrk="0" hangingPunct="1">
+              <a:defRPr sz="1800" kern="1200">
+                <a:solidFill>
+                  <a:schemeClr val="tx1"/>
+                </a:solidFill>
+                <a:latin typeface="+mn-lt"/>
+                <a:ea typeface="+mn-ea"/>
+                <a:cs typeface="+mn-cs"/>
+              </a:defRPr>
+            </a:lvl1pPr>
+            <a:lvl2pPr marL="457200" algn="l" defTabSz="914400" rtl="0" eaLnBrk="1" latinLnBrk="0" hangingPunct="1">
+              <a:defRPr sz="1800" kern="1200">
+                <a:solidFill>
+                  <a:schemeClr val="tx1"/>
+                </a:solidFill>
+                <a:latin typeface="+mn-lt"/>
+                <a:ea typeface="+mn-ea"/>
+                <a:cs typeface="+mn-cs"/>
+              </a:defRPr>
+            </a:lvl2pPr>
+            <a:lvl3pPr marL="914400" algn="l" defTabSz="914400" rtl="0" eaLnBrk="1" latinLnBrk="0" hangingPunct="1">
+              <a:defRPr sz="1800" kern="1200">
+                <a:solidFill>
+                  <a:schemeClr val="tx1"/>
+                </a:solidFill>
+                <a:latin typeface="+mn-lt"/>
+                <a:ea typeface="+mn-ea"/>
+                <a:cs typeface="+mn-cs"/>
+              </a:defRPr>
+            </a:lvl3pPr>
+            <a:lvl4pPr marL="1371600" algn="l" defTabSz="914400" rtl="0" eaLnBrk="1" latinLnBrk="0" hangingPunct="1">
+              <a:defRPr sz="1800" kern="1200">
+                <a:solidFill>
+                  <a:schemeClr val="tx1"/>
+                </a:solidFill>
+                <a:latin typeface="+mn-lt"/>
+                <a:ea typeface="+mn-ea"/>
+                <a:cs typeface="+mn-cs"/>
+              </a:defRPr>
+            </a:lvl4pPr>
+            <a:lvl5pPr marL="1828800" algn="l" defTabSz="914400" rtl="0" eaLnBrk="1" latinLnBrk="0" hangingPunct="1">
+              <a:defRPr sz="1800" kern="1200">
+                <a:solidFill>
+                  <a:schemeClr val="tx1"/>
+                </a:solidFill>
+                <a:latin typeface="+mn-lt"/>
+                <a:ea typeface="+mn-ea"/>
+                <a:cs typeface="+mn-cs"/>
+              </a:defRPr>
+            </a:lvl5pPr>
+            <a:lvl6pPr marL="2286000" algn="l" defTabSz="914400" rtl="0" eaLnBrk="1" latinLnBrk="0" hangingPunct="1">
+              <a:defRPr sz="1800" kern="1200">
+                <a:solidFill>
+                  <a:schemeClr val="tx1"/>
+                </a:solidFill>
+                <a:latin typeface="+mn-lt"/>
+                <a:ea typeface="+mn-ea"/>
+                <a:cs typeface="+mn-cs"/>
+              </a:defRPr>
+            </a:lvl6pPr>
+            <a:lvl7pPr marL="2743200" algn="l" defTabSz="914400" rtl="0" eaLnBrk="1" latinLnBrk="0" hangingPunct="1">
+              <a:defRPr sz="1800" kern="1200">
+                <a:solidFill>
+                  <a:schemeClr val="tx1"/>
+                </a:solidFill>
+                <a:latin typeface="+mn-lt"/>
+                <a:ea typeface="+mn-ea"/>
+                <a:cs typeface="+mn-cs"/>
+              </a:defRPr>
+            </a:lvl7pPr>
+            <a:lvl8pPr marL="3200400" algn="l" defTabSz="914400" rtl="0" eaLnBrk="1" latinLnBrk="0" hangingPunct="1">
+              <a:defRPr sz="1800" kern="1200">
+                <a:solidFill>
+                  <a:schemeClr val="tx1"/>
+                </a:solidFill>
+                <a:latin typeface="+mn-lt"/>
+                <a:ea typeface="+mn-ea"/>
+                <a:cs typeface="+mn-cs"/>
+              </a:defRPr>
+            </a:lvl8pPr>
+            <a:lvl9pPr marL="3657600" algn="l" defTabSz="914400" rtl="0" eaLnBrk="1" latinLnBrk="0" hangingPunct="1">
+              <a:defRPr sz="1800" kern="1200">
+                <a:solidFill>
+                  <a:schemeClr val="tx1"/>
+                </a:solidFill>
+                <a:latin typeface="+mn-lt"/>
+                <a:ea typeface="+mn-ea"/>
+                <a:cs typeface="+mn-cs"/>
+              </a:defRPr>
+            </a:lvl9pPr>
+          </a:lstStyle>
+          <a:p>
+            <a:pPr algn="ctr"/>
+            <a:r>
+              <a:rPr lang="ru-RU" sz="1400" dirty="0" smtClean="0"/>
+              <a:t>Соединение элементов</a:t>
+            </a:r>
+            <a:endParaRPr lang="ru-RU" sz="1400" dirty="0"/>
+          </a:p>
+        </p:txBody>
+      </p:sp>
+      <p:cxnSp>
+        <p:nvCxnSpPr>
+          <p:cNvPr id="26" name="Прямая со стрелкой 25"/>
+          <p:cNvCxnSpPr>
+            <a:stCxn id="25" idx="2"/>
+          </p:cNvCxnSpPr>
+          <p:nvPr/>
+        </p:nvCxnSpPr>
+        <p:spPr>
+          <a:xfrm>
+            <a:off x="7038208" y="1838457"/>
+            <a:ext cx="1854272" cy="1037569"/>
+          </a:xfrm>
+          <a:prstGeom prst="straightConnector1">
+            <a:avLst/>
+          </a:prstGeom>
+          <a:ln>
+            <a:solidFill>
+              <a:schemeClr val="tx1"/>
+            </a:solidFill>
+            <a:tailEnd type="arrow"/>
+          </a:ln>
+        </p:spPr>
+        <p:style>
+          <a:lnRef idx="1">
+            <a:schemeClr val="accent1"/>
+          </a:lnRef>
+          <a:fillRef idx="0">
+            <a:schemeClr val="accent1"/>
+          </a:fillRef>
+          <a:effectRef idx="0">
+            <a:schemeClr val="accent1"/>
+          </a:effectRef>
+          <a:fontRef idx="minor">
+            <a:schemeClr val="tx1"/>
+          </a:fontRef>
+        </p:style>
+      </p:cxnSp>
+      <p:sp>
+        <p:nvSpPr>
+          <p:cNvPr id="28" name="TextBox 21"/>
+          <p:cNvSpPr txBox="1"/>
+          <p:nvPr/>
+        </p:nvSpPr>
+        <p:spPr>
+          <a:xfrm>
+            <a:off x="6228184" y="5103418"/>
+            <a:ext cx="2340128" cy="523220"/>
+          </a:xfrm>
+          <a:prstGeom prst="rect">
+            <a:avLst/>
+          </a:prstGeom>
+          <a:noFill/>
+        </p:spPr>
+        <p:txBody>
+          <a:bodyPr wrap="square" rtlCol="0">
+            <a:spAutoFit/>
+          </a:bodyPr>
+          <a:lstStyle>
+            <a:defPPr>
+              <a:defRPr lang="ru-RU"/>
+            </a:defPPr>
+            <a:lvl1pPr marL="0" algn="l" defTabSz="914400" rtl="0" eaLnBrk="1" latinLnBrk="0" hangingPunct="1">
+              <a:defRPr sz="1800" kern="1200">
+                <a:solidFill>
+                  <a:schemeClr val="tx1"/>
+                </a:solidFill>
+                <a:latin typeface="+mn-lt"/>
+                <a:ea typeface="+mn-ea"/>
+                <a:cs typeface="+mn-cs"/>
+              </a:defRPr>
+            </a:lvl1pPr>
+            <a:lvl2pPr marL="457200" algn="l" defTabSz="914400" rtl="0" eaLnBrk="1" latinLnBrk="0" hangingPunct="1">
+              <a:defRPr sz="1800" kern="1200">
+                <a:solidFill>
+                  <a:schemeClr val="tx1"/>
+                </a:solidFill>
+                <a:latin typeface="+mn-lt"/>
+                <a:ea typeface="+mn-ea"/>
+                <a:cs typeface="+mn-cs"/>
+              </a:defRPr>
+            </a:lvl2pPr>
+            <a:lvl3pPr marL="914400" algn="l" defTabSz="914400" rtl="0" eaLnBrk="1" latinLnBrk="0" hangingPunct="1">
+              <a:defRPr sz="1800" kern="1200">
+                <a:solidFill>
+                  <a:schemeClr val="tx1"/>
+                </a:solidFill>
+                <a:latin typeface="+mn-lt"/>
+                <a:ea typeface="+mn-ea"/>
+                <a:cs typeface="+mn-cs"/>
+              </a:defRPr>
+            </a:lvl3pPr>
+            <a:lvl4pPr marL="1371600" algn="l" defTabSz="914400" rtl="0" eaLnBrk="1" latinLnBrk="0" hangingPunct="1">
+              <a:defRPr sz="1800" kern="1200">
+                <a:solidFill>
+                  <a:schemeClr val="tx1"/>
+                </a:solidFill>
+                <a:latin typeface="+mn-lt"/>
+                <a:ea typeface="+mn-ea"/>
+                <a:cs typeface="+mn-cs"/>
+              </a:defRPr>
+            </a:lvl4pPr>
+            <a:lvl5pPr marL="1828800" algn="l" defTabSz="914400" rtl="0" eaLnBrk="1" latinLnBrk="0" hangingPunct="1">
+              <a:defRPr sz="1800" kern="1200">
+                <a:solidFill>
+                  <a:schemeClr val="tx1"/>
+                </a:solidFill>
+                <a:latin typeface="+mn-lt"/>
+                <a:ea typeface="+mn-ea"/>
+                <a:cs typeface="+mn-cs"/>
+              </a:defRPr>
+            </a:lvl5pPr>
+            <a:lvl6pPr marL="2286000" algn="l" defTabSz="914400" rtl="0" eaLnBrk="1" latinLnBrk="0" hangingPunct="1">
+              <a:defRPr sz="1800" kern="1200">
+                <a:solidFill>
+                  <a:schemeClr val="tx1"/>
+                </a:solidFill>
+                <a:latin typeface="+mn-lt"/>
+                <a:ea typeface="+mn-ea"/>
+                <a:cs typeface="+mn-cs"/>
+              </a:defRPr>
+            </a:lvl6pPr>
+            <a:lvl7pPr marL="2743200" algn="l" defTabSz="914400" rtl="0" eaLnBrk="1" latinLnBrk="0" hangingPunct="1">
+              <a:defRPr sz="1800" kern="1200">
+                <a:solidFill>
+                  <a:schemeClr val="tx1"/>
+                </a:solidFill>
+                <a:latin typeface="+mn-lt"/>
+                <a:ea typeface="+mn-ea"/>
+                <a:cs typeface="+mn-cs"/>
+              </a:defRPr>
+            </a:lvl7pPr>
+            <a:lvl8pPr marL="3200400" algn="l" defTabSz="914400" rtl="0" eaLnBrk="1" latinLnBrk="0" hangingPunct="1">
+              <a:defRPr sz="1800" kern="1200">
+                <a:solidFill>
+                  <a:schemeClr val="tx1"/>
+                </a:solidFill>
+                <a:latin typeface="+mn-lt"/>
+                <a:ea typeface="+mn-ea"/>
+                <a:cs typeface="+mn-cs"/>
+              </a:defRPr>
+            </a:lvl8pPr>
+            <a:lvl9pPr marL="3657600" algn="l" defTabSz="914400" rtl="0" eaLnBrk="1" latinLnBrk="0" hangingPunct="1">
+              <a:defRPr sz="1800" kern="1200">
+                <a:solidFill>
+                  <a:schemeClr val="tx1"/>
+                </a:solidFill>
+                <a:latin typeface="+mn-lt"/>
+                <a:ea typeface="+mn-ea"/>
+                <a:cs typeface="+mn-cs"/>
+              </a:defRPr>
+            </a:lvl9pPr>
+          </a:lstStyle>
+          <a:p>
+            <a:pPr algn="ctr"/>
+            <a:r>
+              <a:rPr lang="ru-RU" sz="1400" dirty="0" smtClean="0"/>
+              <a:t>Удаление элементов и соединений</a:t>
+            </a:r>
+            <a:endParaRPr lang="ru-RU" sz="1400" dirty="0"/>
+          </a:p>
+        </p:txBody>
+      </p:sp>
+      <p:cxnSp>
+        <p:nvCxnSpPr>
+          <p:cNvPr id="29" name="Прямая со стрелкой 28"/>
+          <p:cNvCxnSpPr>
+            <a:stCxn id="28" idx="2"/>
+          </p:cNvCxnSpPr>
+          <p:nvPr/>
+        </p:nvCxnSpPr>
+        <p:spPr>
+          <a:xfrm>
+            <a:off x="7398248" y="5626638"/>
+            <a:ext cx="1638248" cy="916940"/>
+          </a:xfrm>
+          <a:prstGeom prst="straightConnector1">
+            <a:avLst/>
+          </a:prstGeom>
+          <a:ln>
+            <a:solidFill>
+              <a:schemeClr val="tx1"/>
+            </a:solidFill>
+            <a:tailEnd type="arrow"/>
+          </a:ln>
+        </p:spPr>
+        <p:style>
+          <a:lnRef idx="1">
+            <a:schemeClr val="accent1"/>
+          </a:lnRef>
+          <a:fillRef idx="0">
+            <a:schemeClr val="accent1"/>
+          </a:fillRef>
+          <a:effectRef idx="0">
+            <a:schemeClr val="accent1"/>
+          </a:effectRef>
+          <a:fontRef idx="minor">
+            <a:schemeClr val="tx1"/>
+          </a:fontRef>
+        </p:style>
+      </p:cxnSp>
+      <p:pic>
+        <p:nvPicPr>
+          <p:cNvPr id="5125" name="Picture 5"/>
+          <p:cNvPicPr>
+            <a:picLocks noChangeAspect="1" noChangeArrowheads="1"/>
+          </p:cNvPicPr>
+          <p:nvPr/>
+        </p:nvPicPr>
+        <p:blipFill>
+          <a:blip r:embed="rId4">
+            <a:extLst>
+              <a:ext uri="{28A0092B-C50C-407E-A947-70E740481C1C}">
+                <a14:useLocalDpi xmlns:a14="http://schemas.microsoft.com/office/drawing/2010/main" val="0"/>
+              </a:ext>
+            </a:extLst>
+          </a:blip>
+          <a:srcRect/>
+          <a:stretch>
+            <a:fillRect/>
+          </a:stretch>
+        </p:blipFill>
+        <p:spPr bwMode="auto">
+          <a:xfrm>
+            <a:off x="3244319" y="4624021"/>
+            <a:ext cx="2479809" cy="2098569"/>
+          </a:xfrm>
+          <a:prstGeom prst="rect">
+            <a:avLst/>
+          </a:prstGeom>
+          <a:noFill/>
+          <a:ln>
+            <a:noFill/>
+          </a:ln>
+          <a:effectLst/>
+          <a:extLst>
+            <a:ext uri="{909E8E84-426E-40DD-AFC4-6F175D3DCCD1}">
+              <a14:hiddenFill xmlns:a14="http://schemas.microsoft.com/office/drawing/2010/main">
+                <a:solidFill>
+                  <a:schemeClr val="accent1"/>
+                </a:solidFill>
+              </a14:hiddenFill>
+            </a:ext>
+            <a:ext uri="{91240B29-F687-4F45-9708-019B960494DF}">
+              <a14:hiddenLine xmlns:a14="http://schemas.microsoft.com/office/drawing/2010/main" w="9525">
+                <a:solidFill>
+                  <a:schemeClr val="tx1"/>
+                </a:solidFill>
+                <a:miter lim="800000"/>
+                <a:headEnd/>
+                <a:tailEnd/>
+              </a14:hiddenLine>
+            </a:ext>
+            <a:ext uri="{AF507438-7753-43E0-B8FC-AC1667EBCBE1}">
+              <a14:hiddenEffects xmlns:a14="http://schemas.microsoft.com/office/drawing/2010/main">
+                <a:effectLst>
+                  <a:outerShdw dist="35921" dir="2700000" algn="ctr" rotWithShape="0">
+                    <a:schemeClr val="bg2"/>
+                  </a:outerShdw>
+                </a:effectLst>
+              </a14:hiddenEffects>
+            </a:ext>
+          </a:extLst>
+        </p:spPr>
+      </p:pic>
+      <p:sp>
+        <p:nvSpPr>
+          <p:cNvPr id="34" name="TextBox 21"/>
+          <p:cNvSpPr txBox="1"/>
+          <p:nvPr/>
+        </p:nvSpPr>
+        <p:spPr>
+          <a:xfrm>
+            <a:off x="2347763" y="3852632"/>
+            <a:ext cx="2340128" cy="307777"/>
+          </a:xfrm>
+          <a:prstGeom prst="rect">
+            <a:avLst/>
+          </a:prstGeom>
+          <a:noFill/>
+        </p:spPr>
+        <p:txBody>
+          <a:bodyPr wrap="square" rtlCol="0">
+            <a:spAutoFit/>
+          </a:bodyPr>
+          <a:lstStyle>
+            <a:defPPr>
+              <a:defRPr lang="ru-RU"/>
+            </a:defPPr>
+            <a:lvl1pPr marL="0" algn="l" defTabSz="914400" rtl="0" eaLnBrk="1" latinLnBrk="0" hangingPunct="1">
+              <a:defRPr sz="1800" kern="1200">
+                <a:solidFill>
+                  <a:schemeClr val="tx1"/>
+                </a:solidFill>
+                <a:latin typeface="+mn-lt"/>
+                <a:ea typeface="+mn-ea"/>
+                <a:cs typeface="+mn-cs"/>
+              </a:defRPr>
+            </a:lvl1pPr>
+            <a:lvl2pPr marL="457200" algn="l" defTabSz="914400" rtl="0" eaLnBrk="1" latinLnBrk="0" hangingPunct="1">
+              <a:defRPr sz="1800" kern="1200">
+                <a:solidFill>
+                  <a:schemeClr val="tx1"/>
+                </a:solidFill>
+                <a:latin typeface="+mn-lt"/>
+                <a:ea typeface="+mn-ea"/>
+                <a:cs typeface="+mn-cs"/>
+              </a:defRPr>
+            </a:lvl2pPr>
+            <a:lvl3pPr marL="914400" algn="l" defTabSz="914400" rtl="0" eaLnBrk="1" latinLnBrk="0" hangingPunct="1">
+              <a:defRPr sz="1800" kern="1200">
+                <a:solidFill>
+                  <a:schemeClr val="tx1"/>
+                </a:solidFill>
+                <a:latin typeface="+mn-lt"/>
+                <a:ea typeface="+mn-ea"/>
+                <a:cs typeface="+mn-cs"/>
+              </a:defRPr>
+            </a:lvl3pPr>
+            <a:lvl4pPr marL="1371600" algn="l" defTabSz="914400" rtl="0" eaLnBrk="1" latinLnBrk="0" hangingPunct="1">
+              <a:defRPr sz="1800" kern="1200">
+                <a:solidFill>
+                  <a:schemeClr val="tx1"/>
+                </a:solidFill>
+                <a:latin typeface="+mn-lt"/>
+                <a:ea typeface="+mn-ea"/>
+                <a:cs typeface="+mn-cs"/>
+              </a:defRPr>
+            </a:lvl4pPr>
+            <a:lvl5pPr marL="1828800" algn="l" defTabSz="914400" rtl="0" eaLnBrk="1" latinLnBrk="0" hangingPunct="1">
+              <a:defRPr sz="1800" kern="1200">
+                <a:solidFill>
+                  <a:schemeClr val="tx1"/>
+                </a:solidFill>
+                <a:latin typeface="+mn-lt"/>
+                <a:ea typeface="+mn-ea"/>
+                <a:cs typeface="+mn-cs"/>
+              </a:defRPr>
+            </a:lvl5pPr>
+            <a:lvl6pPr marL="2286000" algn="l" defTabSz="914400" rtl="0" eaLnBrk="1" latinLnBrk="0" hangingPunct="1">
+              <a:defRPr sz="1800" kern="1200">
+                <a:solidFill>
+                  <a:schemeClr val="tx1"/>
+                </a:solidFill>
+                <a:latin typeface="+mn-lt"/>
+                <a:ea typeface="+mn-ea"/>
+                <a:cs typeface="+mn-cs"/>
+              </a:defRPr>
+            </a:lvl6pPr>
+            <a:lvl7pPr marL="2743200" algn="l" defTabSz="914400" rtl="0" eaLnBrk="1" latinLnBrk="0" hangingPunct="1">
+              <a:defRPr sz="1800" kern="1200">
+                <a:solidFill>
+                  <a:schemeClr val="tx1"/>
+                </a:solidFill>
+                <a:latin typeface="+mn-lt"/>
+                <a:ea typeface="+mn-ea"/>
+                <a:cs typeface="+mn-cs"/>
+              </a:defRPr>
+            </a:lvl7pPr>
+            <a:lvl8pPr marL="3200400" algn="l" defTabSz="914400" rtl="0" eaLnBrk="1" latinLnBrk="0" hangingPunct="1">
+              <a:defRPr sz="1800" kern="1200">
+                <a:solidFill>
+                  <a:schemeClr val="tx1"/>
+                </a:solidFill>
+                <a:latin typeface="+mn-lt"/>
+                <a:ea typeface="+mn-ea"/>
+                <a:cs typeface="+mn-cs"/>
+              </a:defRPr>
+            </a:lvl8pPr>
+            <a:lvl9pPr marL="3657600" algn="l" defTabSz="914400" rtl="0" eaLnBrk="1" latinLnBrk="0" hangingPunct="1">
+              <a:defRPr sz="1800" kern="1200">
+                <a:solidFill>
+                  <a:schemeClr val="tx1"/>
+                </a:solidFill>
+                <a:latin typeface="+mn-lt"/>
+                <a:ea typeface="+mn-ea"/>
+                <a:cs typeface="+mn-cs"/>
+              </a:defRPr>
+            </a:lvl9pPr>
+          </a:lstStyle>
+          <a:p>
+            <a:pPr algn="ctr"/>
+            <a:r>
+              <a:rPr lang="ru-RU" sz="1400" dirty="0" smtClean="0"/>
+              <a:t>Элемент</a:t>
+            </a:r>
+            <a:endParaRPr lang="ru-RU" sz="1400" dirty="0"/>
+          </a:p>
+        </p:txBody>
+      </p:sp>
+      <p:cxnSp>
+        <p:nvCxnSpPr>
+          <p:cNvPr id="35" name="Прямая со стрелкой 34"/>
+          <p:cNvCxnSpPr>
+            <a:stCxn id="34" idx="2"/>
+          </p:cNvCxnSpPr>
+          <p:nvPr/>
+        </p:nvCxnSpPr>
+        <p:spPr>
+          <a:xfrm>
+            <a:off x="3517827" y="4160409"/>
+            <a:ext cx="190077" cy="1068791"/>
+          </a:xfrm>
+          <a:prstGeom prst="straightConnector1">
+            <a:avLst/>
+          </a:prstGeom>
+          <a:ln>
+            <a:solidFill>
+              <a:srgbClr val="FF0000"/>
+            </a:solidFill>
+            <a:tailEnd type="arrow"/>
+          </a:ln>
+        </p:spPr>
+        <p:style>
+          <a:lnRef idx="1">
+            <a:schemeClr val="accent1"/>
+          </a:lnRef>
+          <a:fillRef idx="0">
+            <a:schemeClr val="accent1"/>
+          </a:fillRef>
+          <a:effectRef idx="0">
+            <a:schemeClr val="accent1"/>
+          </a:effectRef>
+          <a:fontRef idx="minor">
+            <a:schemeClr val="tx1"/>
+          </a:fontRef>
+        </p:style>
+      </p:cxnSp>
+      <p:sp>
+        <p:nvSpPr>
+          <p:cNvPr id="38" name="TextBox 21"/>
+          <p:cNvSpPr txBox="1"/>
+          <p:nvPr/>
+        </p:nvSpPr>
+        <p:spPr>
+          <a:xfrm>
+            <a:off x="4211960" y="3985042"/>
+            <a:ext cx="2340128" cy="523220"/>
+          </a:xfrm>
+          <a:prstGeom prst="rect">
+            <a:avLst/>
+          </a:prstGeom>
+          <a:noFill/>
+        </p:spPr>
+        <p:txBody>
+          <a:bodyPr wrap="square" rtlCol="0">
+            <a:spAutoFit/>
+          </a:bodyPr>
+          <a:lstStyle>
+            <a:defPPr>
+              <a:defRPr lang="ru-RU"/>
+            </a:defPPr>
+            <a:lvl1pPr marL="0" algn="l" defTabSz="914400" rtl="0" eaLnBrk="1" latinLnBrk="0" hangingPunct="1">
+              <a:defRPr sz="1800" kern="1200">
+                <a:solidFill>
+                  <a:schemeClr val="tx1"/>
+                </a:solidFill>
+                <a:latin typeface="+mn-lt"/>
+                <a:ea typeface="+mn-ea"/>
+                <a:cs typeface="+mn-cs"/>
+              </a:defRPr>
+            </a:lvl1pPr>
+            <a:lvl2pPr marL="457200" algn="l" defTabSz="914400" rtl="0" eaLnBrk="1" latinLnBrk="0" hangingPunct="1">
+              <a:defRPr sz="1800" kern="1200">
+                <a:solidFill>
+                  <a:schemeClr val="tx1"/>
+                </a:solidFill>
+                <a:latin typeface="+mn-lt"/>
+                <a:ea typeface="+mn-ea"/>
+                <a:cs typeface="+mn-cs"/>
+              </a:defRPr>
+            </a:lvl2pPr>
+            <a:lvl3pPr marL="914400" algn="l" defTabSz="914400" rtl="0" eaLnBrk="1" latinLnBrk="0" hangingPunct="1">
+              <a:defRPr sz="1800" kern="1200">
+                <a:solidFill>
+                  <a:schemeClr val="tx1"/>
+                </a:solidFill>
+                <a:latin typeface="+mn-lt"/>
+                <a:ea typeface="+mn-ea"/>
+                <a:cs typeface="+mn-cs"/>
+              </a:defRPr>
+            </a:lvl3pPr>
+            <a:lvl4pPr marL="1371600" algn="l" defTabSz="914400" rtl="0" eaLnBrk="1" latinLnBrk="0" hangingPunct="1">
+              <a:defRPr sz="1800" kern="1200">
+                <a:solidFill>
+                  <a:schemeClr val="tx1"/>
+                </a:solidFill>
+                <a:latin typeface="+mn-lt"/>
+                <a:ea typeface="+mn-ea"/>
+                <a:cs typeface="+mn-cs"/>
+              </a:defRPr>
+            </a:lvl4pPr>
+            <a:lvl5pPr marL="1828800" algn="l" defTabSz="914400" rtl="0" eaLnBrk="1" latinLnBrk="0" hangingPunct="1">
+              <a:defRPr sz="1800" kern="1200">
+                <a:solidFill>
+                  <a:schemeClr val="tx1"/>
+                </a:solidFill>
+                <a:latin typeface="+mn-lt"/>
+                <a:ea typeface="+mn-ea"/>
+                <a:cs typeface="+mn-cs"/>
+              </a:defRPr>
+            </a:lvl5pPr>
+            <a:lvl6pPr marL="2286000" algn="l" defTabSz="914400" rtl="0" eaLnBrk="1" latinLnBrk="0" hangingPunct="1">
+              <a:defRPr sz="1800" kern="1200">
+                <a:solidFill>
+                  <a:schemeClr val="tx1"/>
+                </a:solidFill>
+                <a:latin typeface="+mn-lt"/>
+                <a:ea typeface="+mn-ea"/>
+                <a:cs typeface="+mn-cs"/>
+              </a:defRPr>
+            </a:lvl6pPr>
+            <a:lvl7pPr marL="2743200" algn="l" defTabSz="914400" rtl="0" eaLnBrk="1" latinLnBrk="0" hangingPunct="1">
+              <a:defRPr sz="1800" kern="1200">
+                <a:solidFill>
+                  <a:schemeClr val="tx1"/>
+                </a:solidFill>
+                <a:latin typeface="+mn-lt"/>
+                <a:ea typeface="+mn-ea"/>
+                <a:cs typeface="+mn-cs"/>
+              </a:defRPr>
+            </a:lvl7pPr>
+            <a:lvl8pPr marL="3200400" algn="l" defTabSz="914400" rtl="0" eaLnBrk="1" latinLnBrk="0" hangingPunct="1">
+              <a:defRPr sz="1800" kern="1200">
+                <a:solidFill>
+                  <a:schemeClr val="tx1"/>
+                </a:solidFill>
+                <a:latin typeface="+mn-lt"/>
+                <a:ea typeface="+mn-ea"/>
+                <a:cs typeface="+mn-cs"/>
+              </a:defRPr>
+            </a:lvl8pPr>
+            <a:lvl9pPr marL="3657600" algn="l" defTabSz="914400" rtl="0" eaLnBrk="1" latinLnBrk="0" hangingPunct="1">
+              <a:defRPr sz="1800" kern="1200">
+                <a:solidFill>
+                  <a:schemeClr val="tx1"/>
+                </a:solidFill>
+                <a:latin typeface="+mn-lt"/>
+                <a:ea typeface="+mn-ea"/>
+                <a:cs typeface="+mn-cs"/>
+              </a:defRPr>
+            </a:lvl9pPr>
+          </a:lstStyle>
+          <a:p>
+            <a:pPr algn="ctr"/>
+            <a:r>
+              <a:rPr lang="ru-RU" sz="1400" dirty="0" smtClean="0"/>
+              <a:t>Окно информации о элементе</a:t>
+            </a:r>
+            <a:endParaRPr lang="ru-RU" sz="1400" dirty="0"/>
+          </a:p>
+        </p:txBody>
+      </p:sp>
+      <p:cxnSp>
+        <p:nvCxnSpPr>
+          <p:cNvPr id="39" name="Прямая со стрелкой 38"/>
+          <p:cNvCxnSpPr>
+            <a:stCxn id="38" idx="2"/>
+          </p:cNvCxnSpPr>
+          <p:nvPr/>
+        </p:nvCxnSpPr>
+        <p:spPr>
+          <a:xfrm flipH="1">
+            <a:off x="4932040" y="4508262"/>
+            <a:ext cx="449984" cy="853348"/>
+          </a:xfrm>
+          <a:prstGeom prst="straightConnector1">
+            <a:avLst/>
+          </a:prstGeom>
+          <a:ln>
+            <a:solidFill>
+              <a:srgbClr val="FF0000"/>
+            </a:solidFill>
+            <a:tailEnd type="arrow"/>
+          </a:ln>
+        </p:spPr>
+        <p:style>
+          <a:lnRef idx="1">
+            <a:schemeClr val="accent1"/>
+          </a:lnRef>
+          <a:fillRef idx="0">
+            <a:schemeClr val="accent1"/>
+          </a:fillRef>
+          <a:effectRef idx="0">
+            <a:schemeClr val="accent1"/>
+          </a:effectRef>
+          <a:fontRef idx="minor">
+            <a:schemeClr val="tx1"/>
+          </a:fontRef>
+        </p:style>
+      </p:cxnSp>
     </p:spTree>
     <p:extLst>
       <p:ext uri="{BB962C8B-B14F-4D97-AF65-F5344CB8AC3E}">
@@ -5308,7 +6821,7 @@
         </p:nvSpPr>
         <p:spPr>
           <a:xfrm>
-            <a:off x="107504" y="1340768"/>
+            <a:off x="97622" y="1213673"/>
             <a:ext cx="9036496" cy="4525963"/>
           </a:xfrm>
         </p:spPr>
@@ -5402,7 +6915,19 @@
             </a:r>
             <a:r>
               <a:rPr lang="ru-RU" dirty="0" smtClean="0"/>
-              <a:t>для разработки интерфейса).</a:t>
+              <a:t>для разработки </a:t>
+            </a:r>
+            <a:r>
+              <a:rPr lang="ru-RU" dirty="0" smtClean="0"/>
+              <a:t>интерфейса)</a:t>
+            </a:r>
+            <a:r>
+              <a:rPr lang="en-US" dirty="0" smtClean="0"/>
+              <a:t>, math</a:t>
+            </a:r>
+            <a:r>
+              <a:rPr lang="ru-RU" dirty="0" smtClean="0"/>
+              <a:t>.</a:t>
             </a:r>
             <a:endParaRPr lang="ru-RU" b="1" dirty="0"/>
           </a:p>
@@ -5441,7 +6966,7 @@
       </p:sp>
       <p:pic>
         <p:nvPicPr>
-          <p:cNvPr id="1026" name="Picture 2"/>
+          <p:cNvPr id="3075" name="Picture 3"/>
           <p:cNvPicPr>
             <a:picLocks noChangeAspect="1" noChangeArrowheads="1"/>
           </p:cNvPicPr>
@@ -5462,8 +6987,72 @@
         </p:blipFill>
         <p:spPr bwMode="auto">
           <a:xfrm>
-            <a:off x="539552" y="3645023"/>
-            <a:ext cx="8161654" cy="2227337"/>
+            <a:off x="4932040" y="3476655"/>
+            <a:ext cx="3888432" cy="2924944"/>
+          </a:xfrm>
+          <a:prstGeom prst="rect">
+            <a:avLst/>
+          </a:prstGeom>
+          <a:noFill/>
+          <a:ln>
+            <a:noFill/>
+          </a:ln>
+          <a:effectLst/>
+          <a:extLst>
+            <a:ext uri="{909E8E84-426E-40DD-AFC4-6F175D3DCCD1}">
+              <a14:hiddenFill xmlns:a14="http://schemas.microsoft.com/office/drawing/2010/main">
+                <a:solidFill>
+                  <a:schemeClr val="accent1"/>
+                </a:solidFill>
+              </a14:hiddenFill>
+            </a:ext>
+            <a:ext uri="{91240B29-F687-4F45-9708-019B960494DF}">
+              <a14:hiddenLine xmlns:a14="http://schemas.microsoft.com/office/drawing/2010/main" w="9525">
+                <a:solidFill>
+                  <a:schemeClr val="tx1"/>
+                </a:solidFill>
+                <a:miter lim="800000"/>
+                <a:headEnd/>
+                <a:tailEnd/>
+              </a14:hiddenLine>
+            </a:ext>
+            <a:ext uri="{AF507438-7753-43E0-B8FC-AC1667EBCBE1}">
+              <a14:hiddenEffects xmlns:a14="http://schemas.microsoft.com/office/drawing/2010/main">
+                <a:effectLst>
+                  <a:outerShdw dist="35921" dir="2700000" algn="ctr" rotWithShape="0">
+                    <a:schemeClr val="bg2"/>
+                  </a:outerShdw>
+                </a:effectLst>
+              </a14:hiddenEffects>
+            </a:ext>
+          </a:extLst>
+        </p:spPr>
+      </p:pic>
+      <p:pic>
+        <p:nvPicPr>
+          <p:cNvPr id="3076" name="Picture 4"/>
+          <p:cNvPicPr>
+            <a:picLocks noChangeAspect="1" noChangeArrowheads="1"/>
+          </p:cNvPicPr>
+          <p:nvPr/>
+        </p:nvPicPr>
+        <p:blipFill>
+          <a:blip r:embed="rId3">
+            <a:extLst>
+              <a:ext uri="{28A0092B-C50C-407E-A947-70E740481C1C}">
+                <a14:useLocalDpi xmlns:a14="http://schemas.microsoft.com/office/drawing/2010/main" val="0"/>
+              </a:ext>
+            </a:extLst>
+          </a:blip>
+          <a:srcRect/>
+          <a:stretch>
+            <a:fillRect/>
+          </a:stretch>
+        </p:blipFill>
+        <p:spPr bwMode="auto">
+          <a:xfrm>
+            <a:off x="251520" y="3472423"/>
+            <a:ext cx="4539874" cy="2924944"/>
           </a:xfrm>
           <a:prstGeom prst="rect">
             <a:avLst/>
@@ -5540,6 +7129,112 @@
           <a:chExt cx="0" cy="0"/>
         </a:xfrm>
       </p:grpSpPr>
+      <p:cxnSp>
+        <p:nvCxnSpPr>
+          <p:cNvPr id="14" name="Прямая соединительная линия 13"/>
+          <p:cNvCxnSpPr/>
+          <p:nvPr/>
+        </p:nvCxnSpPr>
+        <p:spPr>
+          <a:xfrm>
+            <a:off x="5698811" y="1956422"/>
+            <a:ext cx="0" cy="888072"/>
+          </a:xfrm>
+          <a:prstGeom prst="line">
+            <a:avLst/>
+          </a:prstGeom>
+          <a:ln w="38100">
+            <a:solidFill>
+              <a:srgbClr val="0070C0"/>
+            </a:solidFill>
+          </a:ln>
+        </p:spPr>
+        <p:style>
+          <a:lnRef idx="1">
+            <a:schemeClr val="accent1"/>
+          </a:lnRef>
+          <a:fillRef idx="0">
+            <a:schemeClr val="accent1"/>
+          </a:fillRef>
+          <a:effectRef idx="0">
+            <a:schemeClr val="accent1"/>
+          </a:effectRef>
+          <a:fontRef idx="minor">
+            <a:schemeClr val="tx1"/>
+          </a:fontRef>
+        </p:style>
+      </p:cxnSp>
+      <p:cxnSp>
+        <p:nvCxnSpPr>
+          <p:cNvPr id="15" name="Прямая соединительная линия 14"/>
+          <p:cNvCxnSpPr/>
+          <p:nvPr/>
+        </p:nvCxnSpPr>
+        <p:spPr>
+          <a:xfrm>
+            <a:off x="7908771" y="1956422"/>
+            <a:ext cx="0" cy="888072"/>
+          </a:xfrm>
+          <a:prstGeom prst="line">
+            <a:avLst/>
+          </a:prstGeom>
+          <a:ln w="38100">
+            <a:solidFill>
+              <a:srgbClr val="0070C0"/>
+            </a:solidFill>
+          </a:ln>
+        </p:spPr>
+        <p:style>
+          <a:lnRef idx="1">
+            <a:schemeClr val="accent1"/>
+          </a:lnRef>
+          <a:fillRef idx="0">
+            <a:schemeClr val="accent1"/>
+          </a:fillRef>
+          <a:effectRef idx="0">
+            <a:schemeClr val="accent1"/>
+          </a:effectRef>
+          <a:fontRef idx="minor">
+            <a:schemeClr val="tx1"/>
+          </a:fontRef>
+        </p:style>
+      </p:cxnSp>
+      <p:cxnSp>
+        <p:nvCxnSpPr>
+          <p:cNvPr id="16" name="Прямая со стрелкой 15"/>
+          <p:cNvCxnSpPr/>
+          <p:nvPr/>
+        </p:nvCxnSpPr>
+        <p:spPr>
+          <a:xfrm>
+            <a:off x="6803791" y="2828050"/>
+            <a:ext cx="3583" cy="568752"/>
+          </a:xfrm>
+          <a:prstGeom prst="straightConnector1">
+            <a:avLst/>
+          </a:prstGeom>
+          <a:ln w="38100">
+            <a:solidFill>
+              <a:srgbClr val="0070C0"/>
+            </a:solidFill>
+            <a:tailEnd type="triangle"/>
+          </a:ln>
+        </p:spPr>
+        <p:style>
+          <a:lnRef idx="1">
+            <a:schemeClr val="accent1"/>
+          </a:lnRef>
+          <a:fillRef idx="0">
+            <a:schemeClr val="accent1"/>
+          </a:fillRef>
+          <a:effectRef idx="0">
+            <a:schemeClr val="accent1"/>
+          </a:effectRef>
+          <a:fontRef idx="minor">
+            <a:schemeClr val="tx1"/>
+          </a:fontRef>
+        </p:style>
+      </p:cxnSp>
       <p:sp>
         <p:nvSpPr>
           <p:cNvPr id="3" name="Заголовок 2"/>
@@ -5550,16 +7245,23 @@
             <p:ph type="title"/>
           </p:nvPr>
         </p:nvSpPr>
-        <p:spPr/>
-        <p:txBody>
-          <a:bodyPr/>
+        <p:spPr>
+          <a:xfrm>
+            <a:off x="323528" y="188640"/>
+            <a:ext cx="4680520" cy="1287016"/>
+          </a:xfrm>
+        </p:spPr>
+        <p:txBody>
+          <a:bodyPr>
+            <a:normAutofit/>
+          </a:bodyPr>
           <a:lstStyle/>
           <a:p>
             <a:r>
-              <a:rPr lang="ru-RU" dirty="0" smtClean="0"/>
+              <a:rPr lang="ru-RU" sz="2800" dirty="0" smtClean="0"/>
               <a:t>Структура базы данных</a:t>
             </a:r>
-            <a:endParaRPr lang="ru-RU" dirty="0"/>
+            <a:endParaRPr lang="ru-RU" sz="2800" dirty="0"/>
           </a:p>
         </p:txBody>
       </p:sp>
@@ -5571,8 +7273,8 @@
         </p:nvSpPr>
         <p:spPr>
           <a:xfrm>
-            <a:off x="4644008" y="6075015"/>
-            <a:ext cx="4009431" cy="369332"/>
+            <a:off x="540186" y="3805273"/>
+            <a:ext cx="3810642" cy="338554"/>
           </a:xfrm>
           <a:prstGeom prst="rect">
             <a:avLst/>
@@ -5580,28 +7282,24 @@
           <a:noFill/>
         </p:spPr>
         <p:txBody>
-          <a:bodyPr wrap="none" rtlCol="0">
+          <a:bodyPr wrap="square" rtlCol="0">
             <a:spAutoFit/>
           </a:bodyPr>
           <a:lstStyle/>
           <a:p>
             <a:r>
-              <a:rPr lang="ru-RU" dirty="0" smtClean="0"/>
+              <a:rPr lang="ru-RU" sz="1600" dirty="0" smtClean="0"/>
               <a:t>База данных состоит из </a:t>
             </a:r>
             <a:r>
-              <a:rPr lang="en-US" dirty="0" smtClean="0"/>
+              <a:rPr lang="en-US" sz="1600" dirty="0" smtClean="0"/>
               <a:t>2</a:t>
             </a:r>
             <a:r>
-              <a:rPr lang="ru-RU" dirty="0" smtClean="0"/>
-              <a:t> </a:t>
-            </a:r>
-            <a:r>
-              <a:rPr lang="ru-RU" dirty="0" smtClean="0"/>
-              <a:t>таблиц</a:t>
-            </a:r>
-            <a:endParaRPr lang="ru-RU" dirty="0"/>
+              <a:rPr lang="ru-RU" sz="1600" dirty="0" smtClean="0"/>
+              <a:t> таблиц</a:t>
+            </a:r>
+            <a:endParaRPr lang="ru-RU" sz="1600" dirty="0"/>
           </a:p>
         </p:txBody>
       </p:sp>
@@ -5614,7 +7312,7 @@
           <p:nvPr/>
         </p:nvPicPr>
         <p:blipFill>
-          <a:blip r:embed="rId2">
+          <a:blip r:embed="rId3">
             <a:extLst>
               <a:ext uri="{28A0092B-C50C-407E-A947-70E740481C1C}">
                 <a14:useLocalDpi xmlns:a14="http://schemas.microsoft.com/office/drawing/2010/main" val="0"/>
@@ -5628,8 +7326,8 @@
         </p:blipFill>
         <p:spPr bwMode="auto">
           <a:xfrm>
-            <a:off x="2310396" y="2708151"/>
-            <a:ext cx="1019175" cy="1009650"/>
+            <a:off x="915469" y="1712768"/>
+            <a:ext cx="1083399" cy="1073274"/>
           </a:xfrm>
           <a:prstGeom prst="rect">
             <a:avLst/>
@@ -5678,7 +7376,7 @@
           <p:nvPr/>
         </p:nvPicPr>
         <p:blipFill>
-          <a:blip r:embed="rId3">
+          <a:blip r:embed="rId4">
             <a:extLst>
               <a:ext uri="{28A0092B-C50C-407E-A947-70E740481C1C}">
                 <a14:useLocalDpi xmlns:a14="http://schemas.microsoft.com/office/drawing/2010/main" val="0"/>
@@ -5692,8 +7390,8 @@
         </p:blipFill>
         <p:spPr bwMode="auto">
           <a:xfrm>
-            <a:off x="5115144" y="2924944"/>
-            <a:ext cx="1019175" cy="1714500"/>
+            <a:off x="2957147" y="1749228"/>
+            <a:ext cx="1083399" cy="1822541"/>
           </a:xfrm>
           <a:prstGeom prst="rect">
             <a:avLst/>
@@ -5741,8 +7439,8 @@
         </p:nvCxnSpPr>
         <p:spPr>
           <a:xfrm>
-            <a:off x="3131840" y="3284984"/>
-            <a:ext cx="1983304" cy="288032"/>
+            <a:off x="1827160" y="2273462"/>
+            <a:ext cx="1146731" cy="144016"/>
           </a:xfrm>
           <a:prstGeom prst="straightConnector1">
             <a:avLst/>
@@ -5769,6 +7467,286 @@
           </a:fontRef>
         </p:style>
       </p:cxnSp>
+      <p:graphicFrame>
+        <p:nvGraphicFramePr>
+          <p:cNvPr id="9" name="Объект 8"/>
+          <p:cNvGraphicFramePr>
+            <a:graphicFrameLocks noChangeAspect="1"/>
+          </p:cNvGraphicFramePr>
+          <p:nvPr>
+            <p:extLst>
+              <p:ext uri="{D42A27DB-BD31-4B8C-83A1-F6EECF244321}">
+                <p14:modId xmlns:p14="http://schemas.microsoft.com/office/powerpoint/2010/main" val="2279184661"/>
+              </p:ext>
+            </p:extLst>
+          </p:nvPr>
+        </p:nvGraphicFramePr>
+        <p:xfrm>
+          <a:off x="6190049" y="3327889"/>
+          <a:ext cx="1227483" cy="1206390"/>
+        </p:xfrm>
+        <a:graphic>
+          <a:graphicData uri="http://schemas.openxmlformats.org/presentationml/2006/ole">
+            <mc:AlternateContent xmlns:mc="http://schemas.openxmlformats.org/markup-compatibility/2006">
+              <mc:Choice xmlns:v="urn:schemas-microsoft-com:vml" Requires="v">
+                <p:oleObj spid="_x0000_s4105" name="Объект упаковщика для оболочки" showAsIcon="1" r:id="rId5" imgW="461880" imgH="453600" progId="Package">
+                  <p:embed/>
+                </p:oleObj>
+              </mc:Choice>
+              <mc:Fallback>
+                <p:oleObj name="Объект упаковщика для оболочки" showAsIcon="1" r:id="rId5" imgW="461880" imgH="453600" progId="Package">
+                  <p:embed/>
+                  <p:pic>
+                    <p:nvPicPr>
+                      <p:cNvPr id="0" name=""/>
+                      <p:cNvPicPr/>
+                      <p:nvPr/>
+                    </p:nvPicPr>
+                    <p:blipFill>
+                      <a:blip r:embed="rId6"/>
+                      <a:stretch>
+                        <a:fillRect/>
+                      </a:stretch>
+                    </p:blipFill>
+                    <p:spPr>
+                      <a:xfrm>
+                        <a:off x="6190049" y="3327889"/>
+                        <a:ext cx="1227483" cy="1206390"/>
+                      </a:xfrm>
+                      <a:prstGeom prst="rect">
+                        <a:avLst/>
+                      </a:prstGeom>
+                    </p:spPr>
+                  </p:pic>
+                </p:oleObj>
+              </mc:Fallback>
+            </mc:AlternateContent>
+          </a:graphicData>
+        </a:graphic>
+      </p:graphicFrame>
+      <p:graphicFrame>
+        <p:nvGraphicFramePr>
+          <p:cNvPr id="11" name="Объект 10"/>
+          <p:cNvGraphicFramePr>
+            <a:graphicFrameLocks noChangeAspect="1"/>
+          </p:cNvGraphicFramePr>
+          <p:nvPr>
+            <p:extLst>
+              <p:ext uri="{D42A27DB-BD31-4B8C-83A1-F6EECF244321}">
+                <p14:modId xmlns:p14="http://schemas.microsoft.com/office/powerpoint/2010/main" val="2060422437"/>
+              </p:ext>
+            </p:extLst>
+          </p:nvPr>
+        </p:nvGraphicFramePr>
+        <p:xfrm>
+          <a:off x="4611674" y="1463034"/>
+          <a:ext cx="2144969" cy="1074361"/>
+        </p:xfrm>
+        <a:graphic>
+          <a:graphicData uri="http://schemas.openxmlformats.org/presentationml/2006/ole">
+            <mc:AlternateContent xmlns:mc="http://schemas.openxmlformats.org/markup-compatibility/2006">
+              <mc:Choice xmlns:v="urn:schemas-microsoft-com:vml" Requires="v">
+                <p:oleObj spid="_x0000_s4106" name="Объект упаковщика для оболочки" showAsIcon="1" r:id="rId7" imgW="906840" imgH="453600" progId="Package">
+                  <p:embed/>
+                </p:oleObj>
+              </mc:Choice>
+              <mc:Fallback>
+                <p:oleObj name="Объект упаковщика для оболочки" showAsIcon="1" r:id="rId7" imgW="906840" imgH="453600" progId="Package">
+                  <p:embed/>
+                  <p:pic>
+                    <p:nvPicPr>
+                      <p:cNvPr id="0" name=""/>
+                      <p:cNvPicPr/>
+                      <p:nvPr/>
+                    </p:nvPicPr>
+                    <p:blipFill>
+                      <a:blip r:embed="rId8"/>
+                      <a:stretch>
+                        <a:fillRect/>
+                      </a:stretch>
+                    </p:blipFill>
+                    <p:spPr>
+                      <a:xfrm>
+                        <a:off x="4611674" y="1463034"/>
+                        <a:ext cx="2144969" cy="1074361"/>
+                      </a:xfrm>
+                      <a:prstGeom prst="rect">
+                        <a:avLst/>
+                      </a:prstGeom>
+                    </p:spPr>
+                  </p:pic>
+                </p:oleObj>
+              </mc:Fallback>
+            </mc:AlternateContent>
+          </a:graphicData>
+        </a:graphic>
+      </p:graphicFrame>
+      <p:graphicFrame>
+        <p:nvGraphicFramePr>
+          <p:cNvPr id="12" name="Объект 11"/>
+          <p:cNvGraphicFramePr>
+            <a:graphicFrameLocks noChangeAspect="1"/>
+          </p:cNvGraphicFramePr>
+          <p:nvPr>
+            <p:extLst>
+              <p:ext uri="{D42A27DB-BD31-4B8C-83A1-F6EECF244321}">
+                <p14:modId xmlns:p14="http://schemas.microsoft.com/office/powerpoint/2010/main" val="2857388949"/>
+              </p:ext>
+            </p:extLst>
+          </p:nvPr>
+        </p:nvGraphicFramePr>
+        <p:xfrm>
+          <a:off x="6841815" y="1508993"/>
+          <a:ext cx="2152112" cy="1039702"/>
+        </p:xfrm>
+        <a:graphic>
+          <a:graphicData uri="http://schemas.openxmlformats.org/presentationml/2006/ole">
+            <mc:AlternateContent xmlns:mc="http://schemas.openxmlformats.org/markup-compatibility/2006">
+              <mc:Choice xmlns:v="urn:schemas-microsoft-com:vml" Requires="v">
+                <p:oleObj spid="_x0000_s4107" name="Объект упаковщика для оболочки" showAsIcon="1" r:id="rId9" imgW="940320" imgH="453600" progId="Package">
+                  <p:embed/>
+                </p:oleObj>
+              </mc:Choice>
+              <mc:Fallback>
+                <p:oleObj name="Объект упаковщика для оболочки" showAsIcon="1" r:id="rId9" imgW="940320" imgH="453600" progId="Package">
+                  <p:embed/>
+                  <p:pic>
+                    <p:nvPicPr>
+                      <p:cNvPr id="0" name=""/>
+                      <p:cNvPicPr/>
+                      <p:nvPr/>
+                    </p:nvPicPr>
+                    <p:blipFill>
+                      <a:blip r:embed="rId10"/>
+                      <a:stretch>
+                        <a:fillRect/>
+                      </a:stretch>
+                    </p:blipFill>
+                    <p:spPr>
+                      <a:xfrm>
+                        <a:off x="6841815" y="1508993"/>
+                        <a:ext cx="2152112" cy="1039702"/>
+                      </a:xfrm>
+                      <a:prstGeom prst="rect">
+                        <a:avLst/>
+                      </a:prstGeom>
+                    </p:spPr>
+                  </p:pic>
+                </p:oleObj>
+              </mc:Fallback>
+            </mc:AlternateContent>
+          </a:graphicData>
+        </a:graphic>
+      </p:graphicFrame>
+      <p:cxnSp>
+        <p:nvCxnSpPr>
+          <p:cNvPr id="17" name="Прямая соединительная линия 16"/>
+          <p:cNvCxnSpPr/>
+          <p:nvPr/>
+        </p:nvCxnSpPr>
+        <p:spPr>
+          <a:xfrm flipV="1">
+            <a:off x="5698811" y="2828050"/>
+            <a:ext cx="2209960" cy="3260"/>
+          </a:xfrm>
+          <a:prstGeom prst="line">
+            <a:avLst/>
+          </a:prstGeom>
+          <a:ln w="38100">
+            <a:solidFill>
+              <a:srgbClr val="0070C0"/>
+            </a:solidFill>
+          </a:ln>
+        </p:spPr>
+        <p:style>
+          <a:lnRef idx="1">
+            <a:schemeClr val="accent1"/>
+          </a:lnRef>
+          <a:fillRef idx="0">
+            <a:schemeClr val="accent1"/>
+          </a:fillRef>
+          <a:effectRef idx="0">
+            <a:schemeClr val="accent1"/>
+          </a:effectRef>
+          <a:fontRef idx="minor">
+            <a:schemeClr val="tx1"/>
+          </a:fontRef>
+        </p:style>
+      </p:cxnSp>
+      <p:sp>
+        <p:nvSpPr>
+          <p:cNvPr id="21" name="TextBox 20"/>
+          <p:cNvSpPr txBox="1"/>
+          <p:nvPr/>
+        </p:nvSpPr>
+        <p:spPr>
+          <a:xfrm>
+            <a:off x="6375547" y="1671705"/>
+            <a:ext cx="1330132" cy="369332"/>
+          </a:xfrm>
+          <a:prstGeom prst="rect">
+            <a:avLst/>
+          </a:prstGeom>
+          <a:noFill/>
+        </p:spPr>
+        <p:txBody>
+          <a:bodyPr wrap="square" rtlCol="0">
+            <a:spAutoFit/>
+          </a:bodyPr>
+          <a:lstStyle/>
+          <a:p>
+            <a:r>
+              <a:rPr lang="en-US" dirty="0" smtClean="0">
+                <a:solidFill>
+                  <a:srgbClr val="FF6600"/>
+                </a:solidFill>
+              </a:rPr>
+              <a:t>import</a:t>
+            </a:r>
+            <a:endParaRPr lang="ru-RU" dirty="0">
+              <a:solidFill>
+                <a:srgbClr val="FF6600"/>
+              </a:solidFill>
+            </a:endParaRPr>
+          </a:p>
+        </p:txBody>
+      </p:sp>
+      <p:sp>
+        <p:nvSpPr>
+          <p:cNvPr id="29" name="Прямоугольник 28"/>
+          <p:cNvSpPr/>
+          <p:nvPr/>
+        </p:nvSpPr>
+        <p:spPr>
+          <a:xfrm>
+            <a:off x="4463480" y="4869160"/>
+            <a:ext cx="4572000" cy="1200329"/>
+          </a:xfrm>
+          <a:prstGeom prst="rect">
+            <a:avLst/>
+          </a:prstGeom>
+        </p:spPr>
+        <p:txBody>
+          <a:bodyPr>
+            <a:spAutoFit/>
+          </a:bodyPr>
+          <a:lstStyle/>
+          <a:p>
+            <a:r>
+              <a:rPr lang="ru-RU" dirty="0"/>
+              <a:t>Программа состоит из базового файла и двух подключаемых файлов для работы с </a:t>
+            </a:r>
+            <a:r>
+              <a:rPr lang="ru-RU" dirty="0" smtClean="0"/>
+              <a:t>дизайном </a:t>
+            </a:r>
+            <a:r>
+              <a:rPr lang="ru-RU" dirty="0"/>
+              <a:t>и базой данных.</a:t>
+            </a:r>
+          </a:p>
+        </p:txBody>
+      </p:sp>
     </p:spTree>
     <p:extLst>
       <p:ext uri="{BB962C8B-B14F-4D97-AF65-F5344CB8AC3E}">
@@ -5818,7 +7796,9 @@
         </p:nvSpPr>
         <p:spPr/>
         <p:txBody>
-          <a:bodyPr/>
+          <a:bodyPr>
+            <a:normAutofit/>
+          </a:bodyPr>
           <a:lstStyle/>
           <a:p>
             <a:r>
@@ -5827,13 +7807,22 @@
             </a:r>
             <a:r>
               <a:rPr lang="ru-RU" dirty="0"/>
-              <a:t>сборник олимпиадных задач по </a:t>
+              <a:t>виртуальную лабораторию по электронике</a:t>
             </a:r>
             <a:r>
               <a:rPr lang="ru-RU" dirty="0" smtClean="0"/>
-              <a:t>физике.</a:t>
-            </a:r>
-            <a:endParaRPr lang="ru-RU" dirty="0"/>
+              <a:t>.</a:t>
+            </a:r>
+          </a:p>
+          <a:p>
+            <a:r>
+              <a:rPr lang="ru-RU" dirty="0" smtClean="0"/>
+              <a:t>Мы постарались </a:t>
+            </a:r>
+            <a:r>
+              <a:rPr lang="ru-RU" dirty="0"/>
+              <a:t>сделать программу наиболее удобной и простой в использовании.</a:t>
+            </a:r>
           </a:p>
           <a:p>
             <a:pPr marL="109728" indent="0">
@@ -5844,12 +7833,13 @@
           <a:p>
             <a:r>
               <a:rPr lang="ru-RU" dirty="0" smtClean="0"/>
-              <a:t>В будущем этим приложением можно будет пользоваться на кружках и уроках </a:t>
-            </a:r>
-            <a:r>
-              <a:rPr lang="ru-RU" dirty="0"/>
-              <a:t>для подготовки к олимпиадам по физике.</a:t>
-            </a:r>
+              <a:t>В будущем этим приложением можно будет </a:t>
+            </a:r>
+            <a:r>
+              <a:rPr lang="ru-RU" dirty="0" smtClean="0"/>
+              <a:t>использовать для наглядной демонстрации работы легких электронных схем.</a:t>
+            </a:r>
+            <a:endParaRPr lang="ru-RU" dirty="0"/>
           </a:p>
           <a:p>
             <a:endParaRPr lang="ru-RU" dirty="0"/>

--- a/Дополнительные материалы/Виртуальная лабаратория.pptx
+++ b/Дополнительные материалы/Виртуальная лабаратория.pptx
@@ -110,6 +110,22 @@
       </a:defRPr>
     </a:lvl9pPr>
   </p:defaultTextStyle>
+  <p:extLst>
+    <p:ext uri="{EFAFB233-063F-42B5-8137-9DF3F51BA10A}">
+      <p15:sldGuideLst xmlns:p15="http://schemas.microsoft.com/office/powerpoint/2012/main">
+        <p15:guide id="1" orient="horz" pos="2160">
+          <p15:clr>
+            <a:srgbClr val="A4A3A4"/>
+          </p15:clr>
+        </p15:guide>
+        <p15:guide id="2" pos="2880">
+          <p15:clr>
+            <a:srgbClr val="A4A3A4"/>
+          </p15:clr>
+        </p15:guide>
+      </p15:sldGuideLst>
+    </p:ext>
+  </p:extLst>
 </p:presentation>
 </file>
 
@@ -738,7 +754,7 @@
           <a:p>
             <a:fld id="{57F9C0E8-C8F2-4EFF-ADCF-89632A27CD47}" type="datetimeFigureOut">
               <a:rPr lang="ru-RU" smtClean="0"/>
-              <a:t>14.01.2021</a:t>
+              <a:t>15.01.2021</a:t>
             </a:fld>
             <a:endParaRPr lang="ru-RU"/>
           </a:p>
@@ -934,7 +950,7 @@
           <a:p>
             <a:fld id="{57F9C0E8-C8F2-4EFF-ADCF-89632A27CD47}" type="datetimeFigureOut">
               <a:rPr lang="ru-RU" smtClean="0"/>
-              <a:t>14.01.2021</a:t>
+              <a:t>15.01.2021</a:t>
             </a:fld>
             <a:endParaRPr lang="ru-RU"/>
           </a:p>
@@ -1119,7 +1135,7 @@
           <a:p>
             <a:fld id="{57F9C0E8-C8F2-4EFF-ADCF-89632A27CD47}" type="datetimeFigureOut">
               <a:rPr lang="ru-RU" smtClean="0"/>
-              <a:t>14.01.2021</a:t>
+              <a:t>15.01.2021</a:t>
             </a:fld>
             <a:endParaRPr lang="ru-RU"/>
           </a:p>
@@ -1269,7 +1285,7 @@
           <a:p>
             <a:fld id="{57F9C0E8-C8F2-4EFF-ADCF-89632A27CD47}" type="datetimeFigureOut">
               <a:rPr lang="ru-RU" smtClean="0"/>
-              <a:t>14.01.2021</a:t>
+              <a:t>15.01.2021</a:t>
             </a:fld>
             <a:endParaRPr lang="ru-RU"/>
           </a:p>
@@ -1524,7 +1540,7 @@
           <a:p>
             <a:fld id="{57F9C0E8-C8F2-4EFF-ADCF-89632A27CD47}" type="datetimeFigureOut">
               <a:rPr lang="ru-RU" smtClean="0"/>
-              <a:t>14.01.2021</a:t>
+              <a:t>15.01.2021</a:t>
             </a:fld>
             <a:endParaRPr lang="ru-RU"/>
           </a:p>
@@ -1933,7 +1949,7 @@
           <a:p>
             <a:fld id="{57F9C0E8-C8F2-4EFF-ADCF-89632A27CD47}" type="datetimeFigureOut">
               <a:rPr lang="ru-RU" smtClean="0"/>
-              <a:t>14.01.2021</a:t>
+              <a:t>15.01.2021</a:t>
             </a:fld>
             <a:endParaRPr lang="ru-RU"/>
           </a:p>
@@ -2379,7 +2395,7 @@
           <a:p>
             <a:fld id="{57F9C0E8-C8F2-4EFF-ADCF-89632A27CD47}" type="datetimeFigureOut">
               <a:rPr lang="ru-RU" smtClean="0"/>
-              <a:t>14.01.2021</a:t>
+              <a:t>15.01.2021</a:t>
             </a:fld>
             <a:endParaRPr lang="ru-RU"/>
           </a:p>
@@ -2480,7 +2496,7 @@
           <a:p>
             <a:fld id="{57F9C0E8-C8F2-4EFF-ADCF-89632A27CD47}" type="datetimeFigureOut">
               <a:rPr lang="ru-RU" smtClean="0"/>
-              <a:t>14.01.2021</a:t>
+              <a:t>15.01.2021</a:t>
             </a:fld>
             <a:endParaRPr lang="ru-RU"/>
           </a:p>
@@ -2601,7 +2617,7 @@
           <a:p>
             <a:fld id="{57F9C0E8-C8F2-4EFF-ADCF-89632A27CD47}" type="datetimeFigureOut">
               <a:rPr lang="ru-RU" smtClean="0"/>
-              <a:t>14.01.2021</a:t>
+              <a:t>15.01.2021</a:t>
             </a:fld>
             <a:endParaRPr lang="ru-RU"/>
           </a:p>
@@ -2875,7 +2891,7 @@
           <a:p>
             <a:fld id="{57F9C0E8-C8F2-4EFF-ADCF-89632A27CD47}" type="datetimeFigureOut">
               <a:rPr lang="ru-RU" smtClean="0"/>
-              <a:t>14.01.2021</a:t>
+              <a:t>15.01.2021</a:t>
             </a:fld>
             <a:endParaRPr lang="ru-RU"/>
           </a:p>
@@ -3080,7 +3096,7 @@
           <a:p>
             <a:fld id="{57F9C0E8-C8F2-4EFF-ADCF-89632A27CD47}" type="datetimeFigureOut">
               <a:rPr lang="ru-RU" smtClean="0"/>
-              <a:t>14.01.2021</a:t>
+              <a:t>15.01.2021</a:t>
             </a:fld>
             <a:endParaRPr lang="ru-RU"/>
           </a:p>
@@ -4189,7 +4205,7 @@
           <a:p>
             <a:fld id="{57F9C0E8-C8F2-4EFF-ADCF-89632A27CD47}" type="datetimeFigureOut">
               <a:rPr lang="ru-RU" smtClean="0"/>
-              <a:t>14.01.2021</a:t>
+              <a:t>15.01.2021</a:t>
             </a:fld>
             <a:endParaRPr lang="ru-RU"/>
           </a:p>
@@ -5045,11 +5061,7 @@
           <a:p>
             <a:r>
               <a:rPr lang="ru-RU" dirty="0" smtClean="0"/>
-              <a:t>Разработать интерфейс для </a:t>
-            </a:r>
-            <a:r>
-              <a:rPr lang="ru-RU" dirty="0" smtClean="0"/>
-              <a:t>программы.</a:t>
+              <a:t>Разработать интерфейс для программы.</a:t>
             </a:r>
           </a:p>
           <a:p>
@@ -5057,7 +5069,6 @@
               <a:rPr lang="ru-RU" dirty="0" smtClean="0"/>
               <a:t>Реализовать разные электронные компоненты</a:t>
             </a:r>
-            <a:endParaRPr lang="ru-RU" dirty="0" smtClean="0"/>
           </a:p>
         </p:txBody>
       </p:sp>
@@ -6915,11 +6926,7 @@
             </a:r>
             <a:r>
               <a:rPr lang="ru-RU" dirty="0" smtClean="0"/>
-              <a:t>для разработки </a:t>
-            </a:r>
-            <a:r>
-              <a:rPr lang="ru-RU" dirty="0" smtClean="0"/>
-              <a:t>интерфейса)</a:t>
+              <a:t>для разработки интерфейса)</a:t>
             </a:r>
             <a:r>
               <a:rPr lang="en-US" dirty="0" smtClean="0"/>
@@ -7489,7 +7496,7 @@
           <a:graphicData uri="http://schemas.openxmlformats.org/presentationml/2006/ole">
             <mc:AlternateContent xmlns:mc="http://schemas.openxmlformats.org/markup-compatibility/2006">
               <mc:Choice xmlns:v="urn:schemas-microsoft-com:vml" Requires="v">
-                <p:oleObj spid="_x0000_s4105" name="Объект упаковщика для оболочки" showAsIcon="1" r:id="rId5" imgW="461880" imgH="453600" progId="Package">
+                <p:oleObj spid="_x0000_s4111" name="Объект упаковщика для оболочки" showAsIcon="1" r:id="rId5" imgW="461880" imgH="453600" progId="Package">
                   <p:embed/>
                 </p:oleObj>
               </mc:Choice>
@@ -7546,7 +7553,7 @@
           <a:graphicData uri="http://schemas.openxmlformats.org/presentationml/2006/ole">
             <mc:AlternateContent xmlns:mc="http://schemas.openxmlformats.org/markup-compatibility/2006">
               <mc:Choice xmlns:v="urn:schemas-microsoft-com:vml" Requires="v">
-                <p:oleObj spid="_x0000_s4106" name="Объект упаковщика для оболочки" showAsIcon="1" r:id="rId7" imgW="906840" imgH="453600" progId="Package">
+                <p:oleObj spid="_x0000_s4112" name="Объект упаковщика для оболочки" showAsIcon="1" r:id="rId7" imgW="906840" imgH="453600" progId="Package">
                   <p:embed/>
                 </p:oleObj>
               </mc:Choice>
@@ -7603,7 +7610,7 @@
           <a:graphicData uri="http://schemas.openxmlformats.org/presentationml/2006/ole">
             <mc:AlternateContent xmlns:mc="http://schemas.openxmlformats.org/markup-compatibility/2006">
               <mc:Choice xmlns:v="urn:schemas-microsoft-com:vml" Requires="v">
-                <p:oleObj spid="_x0000_s4107" name="Объект упаковщика для оболочки" showAsIcon="1" r:id="rId9" imgW="940320" imgH="453600" progId="Package">
+                <p:oleObj spid="_x0000_s4113" name="Объект упаковщика для оболочки" showAsIcon="1" r:id="rId9" imgW="940320" imgH="453600" progId="Package">
                   <p:embed/>
                 </p:oleObj>
               </mc:Choice>
@@ -7821,23 +7828,39 @@
             </a:r>
             <a:r>
               <a:rPr lang="ru-RU" dirty="0"/>
-              <a:t>сделать программу наиболее удобной и простой в использовании.</a:t>
-            </a:r>
-          </a:p>
-          <a:p>
-            <a:pPr marL="109728" indent="0">
-              <a:buNone/>
-            </a:pPr>
+              <a:t>сделать программу наиболее удобной и простой в использовании</a:t>
+            </a:r>
+            <a:r>
+              <a:rPr lang="ru-RU" dirty="0" smtClean="0"/>
+              <a:t>.</a:t>
+            </a:r>
+          </a:p>
+          <a:p>
+            <a:r>
+              <a:rPr lang="ru-RU" dirty="0" smtClean="0"/>
+              <a:t>Лучше изучили </a:t>
+            </a:r>
+            <a:r>
+              <a:rPr lang="en-US" dirty="0" err="1" smtClean="0"/>
+              <a:t>pygame</a:t>
+            </a:r>
+            <a:r>
+              <a:rPr lang="ru-RU" dirty="0" smtClean="0"/>
+              <a:t>.</a:t>
+            </a:r>
             <a:endParaRPr lang="ru-RU" dirty="0" smtClean="0"/>
           </a:p>
           <a:p>
             <a:r>
               <a:rPr lang="ru-RU" dirty="0" smtClean="0"/>
-              <a:t>В будущем этим приложением можно будет </a:t>
-            </a:r>
+              <a:t>Мы научились работать в команде.</a:t>
+            </a:r>
+            <a:endParaRPr lang="ru-RU" dirty="0" smtClean="0"/>
+          </a:p>
+          <a:p>
             <a:r>
               <a:rPr lang="ru-RU" dirty="0" smtClean="0"/>
-              <a:t>использовать для наглядной демонстрации работы легких электронных схем.</a:t>
+              <a:t>В будущем этим приложением можно будет использовать для наглядной демонстрации работы легких электронных схем.</a:t>
             </a:r>
             <a:endParaRPr lang="ru-RU" dirty="0"/>
           </a:p>
